--- a/Slides/07_HTML_TrainingPlan.pptx
+++ b/Slides/07_HTML_TrainingPlan.pptx
@@ -221,7 +221,7 @@
           <a:p>
             <a:fld id="{511FFA03-EA42-4D4B-BC08-EB70C6D8C289}" type="datetimeFigureOut">
               <a:rPr lang="en-US" smtClean="0"/>
-              <a:t>3/3/2018</a:t>
+              <a:t>5/28/2018</a:t>
             </a:fld>
             <a:endParaRPr lang="en-US"/>
           </a:p>
@@ -285,38 +285,37 @@
           <a:p>
             <a:pPr lvl="0"/>
             <a:r>
-              <a:rPr lang="en-US" smtClean="0"/>
+              <a:rPr lang="en-US"/>
               <a:t>Click to edit Master text styles</a:t>
             </a:r>
           </a:p>
           <a:p>
             <a:pPr lvl="1"/>
             <a:r>
-              <a:rPr lang="en-US" smtClean="0"/>
+              <a:rPr lang="en-US"/>
               <a:t>Second level</a:t>
             </a:r>
           </a:p>
           <a:p>
             <a:pPr lvl="2"/>
             <a:r>
-              <a:rPr lang="en-US" smtClean="0"/>
+              <a:rPr lang="en-US"/>
               <a:t>Third level</a:t>
             </a:r>
           </a:p>
           <a:p>
             <a:pPr lvl="3"/>
             <a:r>
-              <a:rPr lang="en-US" smtClean="0"/>
+              <a:rPr lang="en-US"/>
               <a:t>Fourth level</a:t>
             </a:r>
           </a:p>
           <a:p>
             <a:pPr lvl="4"/>
             <a:r>
-              <a:rPr lang="en-US" smtClean="0"/>
+              <a:rPr lang="en-US"/>
               <a:t>Fifth level</a:t>
             </a:r>
-            <a:endParaRPr lang="en-US"/>
           </a:p>
         </p:txBody>
       </p:sp>
@@ -538,7 +537,7 @@
               <a:buChar char="•"/>
             </a:pPr>
             <a:r>
-              <a:rPr lang="en-US" baseline="0" dirty="0" smtClean="0"/>
+              <a:rPr lang="en-US" baseline="0" dirty="0"/>
               <a:t>Elements define the objects on a page.</a:t>
             </a:r>
           </a:p>
@@ -548,7 +547,7 @@
               <a:buChar char="•"/>
             </a:pPr>
             <a:r>
-              <a:rPr lang="en-US" baseline="0" dirty="0" smtClean="0"/>
+              <a:rPr lang="en-US" baseline="0" dirty="0"/>
               <a:t>They have a start and an end tag.</a:t>
             </a:r>
           </a:p>
@@ -558,7 +557,7 @@
               <a:buChar char="•"/>
             </a:pPr>
             <a:r>
-              <a:rPr lang="en-US" baseline="0" dirty="0" smtClean="0"/>
+              <a:rPr lang="en-US" baseline="0" dirty="0"/>
               <a:t>Values and other elements can be nested inside the element</a:t>
             </a:r>
           </a:p>
@@ -568,7 +567,7 @@
               <a:buChar char="•"/>
             </a:pPr>
             <a:r>
-              <a:rPr lang="en-US" baseline="0" dirty="0" smtClean="0"/>
+              <a:rPr lang="en-US" baseline="0" dirty="0"/>
               <a:t>Empty elements, those that don’t have anything between the begin and end tag can have a / at the end and not use an end tag.</a:t>
             </a:r>
           </a:p>
@@ -578,7 +577,7 @@
               <a:buChar char="•"/>
             </a:pPr>
             <a:r>
-              <a:rPr lang="en-US" baseline="0" dirty="0" smtClean="0"/>
+              <a:rPr lang="en-US" baseline="0" dirty="0"/>
               <a:t>Lowercase is the standard for elements.</a:t>
             </a:r>
           </a:p>
@@ -669,7 +668,7 @@
               <a:buChar char="•"/>
             </a:pPr>
             <a:r>
-              <a:rPr lang="en-US" baseline="0" dirty="0" smtClean="0"/>
+              <a:rPr lang="en-US" baseline="0" dirty="0"/>
               <a:t>There are a number of elements that just exist to help make the page more semantic.</a:t>
             </a:r>
           </a:p>
@@ -679,7 +678,7 @@
               <a:buChar char="•"/>
             </a:pPr>
             <a:r>
-              <a:rPr lang="en-US" baseline="0" dirty="0" smtClean="0"/>
+              <a:rPr lang="en-US" baseline="0" dirty="0"/>
               <a:t>This means that the elements are describing what is inside the element.</a:t>
             </a:r>
           </a:p>
@@ -689,7 +688,7 @@
               <a:buChar char="•"/>
             </a:pPr>
             <a:r>
-              <a:rPr lang="en-US" baseline="0" dirty="0" smtClean="0"/>
+              <a:rPr lang="en-US" baseline="0" dirty="0"/>
               <a:t>This means that not only does the page work for users to use it in a browser, but it can also be used by other machines to read the page and figure out what to do with the text based upon what semantic element it’s in.</a:t>
             </a:r>
           </a:p>
@@ -864,7 +863,7 @@
               <a:buChar char="•"/>
             </a:pPr>
             <a:r>
-              <a:rPr lang="en-US" sz="1200" kern="1200" dirty="0" smtClean="0">
+              <a:rPr lang="en-US" sz="1200" kern="1200" dirty="0">
                 <a:solidFill>
                   <a:schemeClr val="tx1"/>
                 </a:solidFill>
@@ -882,7 +881,7 @@
               <a:buChar char="•"/>
             </a:pPr>
             <a:r>
-              <a:rPr lang="en-US" sz="1200" kern="1200" dirty="0" smtClean="0">
+              <a:rPr lang="en-US" sz="1200" kern="1200" dirty="0">
                 <a:solidFill>
                   <a:schemeClr val="tx1"/>
                 </a:solidFill>
@@ -894,7 +893,7 @@
               <a:t>Write on the board an image that exists in the </a:t>
             </a:r>
             <a:r>
-              <a:rPr lang="en-US" sz="1200" kern="1200" dirty="0" err="1" smtClean="0">
+              <a:rPr lang="en-US" sz="1200" kern="1200" dirty="0" err="1">
                 <a:solidFill>
                   <a:schemeClr val="tx1"/>
                 </a:solidFill>
@@ -906,7 +905,7 @@
               <a:t>img</a:t>
             </a:r>
             <a:r>
-              <a:rPr lang="en-US" sz="1200" kern="1200" dirty="0" smtClean="0">
+              <a:rPr lang="en-US" sz="1200" kern="1200" dirty="0">
                 <a:solidFill>
                   <a:schemeClr val="tx1"/>
                 </a:solidFill>
@@ -1093,7 +1092,7 @@
               <a:buChar char="•"/>
             </a:pPr>
             <a:r>
-              <a:rPr lang="en-US" baseline="0" dirty="0" smtClean="0"/>
+              <a:rPr lang="en-US" baseline="0" dirty="0"/>
               <a:t>Links are represented by the a element.</a:t>
             </a:r>
           </a:p>
@@ -1103,15 +1102,15 @@
               <a:buChar char="•"/>
             </a:pPr>
             <a:r>
-              <a:rPr lang="en-US" baseline="0" dirty="0" smtClean="0"/>
+              <a:rPr lang="en-US" baseline="0" dirty="0"/>
               <a:t>The </a:t>
             </a:r>
             <a:r>
-              <a:rPr lang="en-US" baseline="0" dirty="0" err="1" smtClean="0"/>
+              <a:rPr lang="en-US" baseline="0" dirty="0" err="1"/>
               <a:t>href</a:t>
             </a:r>
             <a:r>
-              <a:rPr lang="en-US" baseline="0" dirty="0" smtClean="0"/>
+              <a:rPr lang="en-US" baseline="0" dirty="0"/>
               <a:t> attribute specifies the location of the link.</a:t>
             </a:r>
           </a:p>
@@ -1121,7 +1120,7 @@
               <a:buChar char="•"/>
             </a:pPr>
             <a:r>
-              <a:rPr lang="en-US" baseline="0" dirty="0" smtClean="0"/>
+              <a:rPr lang="en-US" baseline="0" dirty="0"/>
               <a:t>The text of the link goes between the tags.</a:t>
             </a:r>
           </a:p>
@@ -1131,7 +1130,7 @@
               <a:buChar char="•"/>
             </a:pPr>
             <a:r>
-              <a:rPr lang="en-US" baseline="0" dirty="0" smtClean="0"/>
+              <a:rPr lang="en-US" baseline="0" dirty="0"/>
               <a:t>The paths can be specified in multiple ways.  </a:t>
             </a:r>
           </a:p>
@@ -1141,15 +1140,15 @@
               <a:buChar char="•"/>
             </a:pPr>
             <a:r>
-              <a:rPr lang="en-US" baseline="0" dirty="0" smtClean="0"/>
+              <a:rPr lang="en-US" baseline="0" dirty="0"/>
               <a:t>An absolute path can be specified with the full </a:t>
             </a:r>
             <a:r>
-              <a:rPr lang="en-US" baseline="0" dirty="0" err="1" smtClean="0"/>
+              <a:rPr lang="en-US" baseline="0" dirty="0" err="1"/>
               <a:t>url</a:t>
             </a:r>
             <a:r>
-              <a:rPr lang="en-US" baseline="0" dirty="0" smtClean="0"/>
+              <a:rPr lang="en-US" baseline="0" dirty="0"/>
               <a:t>.</a:t>
             </a:r>
           </a:p>
@@ -1159,7 +1158,7 @@
               <a:buChar char="•"/>
             </a:pPr>
             <a:r>
-              <a:rPr lang="en-US" baseline="0" dirty="0" smtClean="0"/>
+              <a:rPr lang="en-US" baseline="0" dirty="0"/>
               <a:t>Or a relative path can be used in reference to the page that the link is displayed on.</a:t>
             </a:r>
           </a:p>
@@ -1169,7 +1168,7 @@
               <a:buChar char="•"/>
             </a:pPr>
             <a:r>
-              <a:rPr lang="en-US" baseline="0" dirty="0" smtClean="0"/>
+              <a:rPr lang="en-US" baseline="0" dirty="0"/>
               <a:t>The relative path is recommended if the link is hosted within the same site.</a:t>
             </a:r>
           </a:p>
@@ -1344,7 +1343,7 @@
               <a:buChar char="•"/>
             </a:pPr>
             <a:r>
-              <a:rPr lang="en-US" baseline="0" dirty="0" smtClean="0"/>
+              <a:rPr lang="en-US" baseline="0" dirty="0"/>
               <a:t>The table element represents a table as you might imagine.</a:t>
             </a:r>
           </a:p>
@@ -1354,23 +1353,23 @@
               <a:buChar char="•"/>
             </a:pPr>
             <a:r>
-              <a:rPr lang="en-US" baseline="0" dirty="0" smtClean="0"/>
+              <a:rPr lang="en-US" baseline="0" dirty="0"/>
               <a:t>There is a </a:t>
             </a:r>
             <a:r>
-              <a:rPr lang="en-US" baseline="0" dirty="0" err="1" smtClean="0"/>
+              <a:rPr lang="en-US" baseline="0" dirty="0" err="1"/>
               <a:t>thead</a:t>
             </a:r>
             <a:r>
-              <a:rPr lang="en-US" baseline="0" dirty="0" smtClean="0"/>
+              <a:rPr lang="en-US" baseline="0" dirty="0"/>
               <a:t> element that represent the header and a </a:t>
             </a:r>
             <a:r>
-              <a:rPr lang="en-US" baseline="0" dirty="0" err="1" smtClean="0"/>
+              <a:rPr lang="en-US" baseline="0" dirty="0" err="1"/>
               <a:t>tbody</a:t>
             </a:r>
             <a:r>
-              <a:rPr lang="en-US" baseline="0" dirty="0" smtClean="0"/>
+              <a:rPr lang="en-US" baseline="0" dirty="0"/>
               <a:t> element that represents the body of the table.</a:t>
             </a:r>
           </a:p>
@@ -1380,15 +1379,15 @@
               <a:buChar char="•"/>
             </a:pPr>
             <a:r>
-              <a:rPr lang="en-US" baseline="0" dirty="0" smtClean="0"/>
+              <a:rPr lang="en-US" baseline="0" dirty="0"/>
               <a:t>The footer is represented by the </a:t>
             </a:r>
             <a:r>
-              <a:rPr lang="en-US" baseline="0" dirty="0" err="1" smtClean="0"/>
+              <a:rPr lang="en-US" baseline="0" dirty="0" err="1"/>
               <a:t>tfoot</a:t>
             </a:r>
             <a:r>
-              <a:rPr lang="en-US" baseline="0" dirty="0" smtClean="0"/>
+              <a:rPr lang="en-US" baseline="0" dirty="0"/>
               <a:t> element.</a:t>
             </a:r>
           </a:p>
@@ -1398,7 +1397,7 @@
               <a:buChar char="•"/>
             </a:pPr>
             <a:r>
-              <a:rPr lang="en-US" baseline="0" dirty="0" smtClean="0"/>
+              <a:rPr lang="en-US" baseline="0" dirty="0"/>
               <a:t>These are optional.</a:t>
             </a:r>
           </a:p>
@@ -1408,15 +1407,15 @@
               <a:buChar char="•"/>
             </a:pPr>
             <a:r>
-              <a:rPr lang="en-US" baseline="0" dirty="0" smtClean="0"/>
+              <a:rPr lang="en-US" baseline="0" dirty="0"/>
               <a:t>Inside the table the </a:t>
             </a:r>
             <a:r>
-              <a:rPr lang="en-US" baseline="0" dirty="0" err="1" smtClean="0"/>
+              <a:rPr lang="en-US" baseline="0" dirty="0" err="1"/>
               <a:t>tr</a:t>
             </a:r>
             <a:r>
-              <a:rPr lang="en-US" baseline="0" dirty="0" smtClean="0"/>
+              <a:rPr lang="en-US" baseline="0" dirty="0"/>
               <a:t> element represents a table row.</a:t>
             </a:r>
           </a:p>
@@ -1426,15 +1425,15 @@
               <a:buChar char="•"/>
             </a:pPr>
             <a:r>
-              <a:rPr lang="en-US" baseline="0" dirty="0" smtClean="0"/>
+              <a:rPr lang="en-US" baseline="0" dirty="0"/>
               <a:t>Each column is represented by </a:t>
             </a:r>
             <a:r>
-              <a:rPr lang="en-US" baseline="0" dirty="0" err="1" smtClean="0"/>
+              <a:rPr lang="en-US" baseline="0" dirty="0" err="1"/>
               <a:t>th</a:t>
             </a:r>
             <a:r>
-              <a:rPr lang="en-US" baseline="0" dirty="0" smtClean="0"/>
+              <a:rPr lang="en-US" baseline="0" dirty="0"/>
               <a:t> in the header and td in the body.</a:t>
             </a:r>
           </a:p>
@@ -1609,7 +1608,7 @@
               <a:buChar char="•"/>
             </a:pPr>
             <a:r>
-              <a:rPr lang="en-US" baseline="0" dirty="0" smtClean="0"/>
+              <a:rPr lang="en-US" baseline="0" dirty="0"/>
               <a:t>The form is the standard way for the page to submit data to the server.</a:t>
             </a:r>
           </a:p>
@@ -1619,7 +1618,7 @@
               <a:buChar char="•"/>
             </a:pPr>
             <a:r>
-              <a:rPr lang="en-US" baseline="0" dirty="0" smtClean="0"/>
+              <a:rPr lang="en-US" baseline="0" dirty="0"/>
               <a:t>Everything is surrounded by the form element start and end tags.</a:t>
             </a:r>
           </a:p>
@@ -1629,7 +1628,7 @@
               <a:buChar char="•"/>
             </a:pPr>
             <a:r>
-              <a:rPr lang="en-US" baseline="0" dirty="0" smtClean="0"/>
+              <a:rPr lang="en-US" baseline="0" dirty="0"/>
               <a:t>Within the form tags are input elements.</a:t>
             </a:r>
           </a:p>
@@ -1639,7 +1638,7 @@
               <a:buChar char="•"/>
             </a:pPr>
             <a:r>
-              <a:rPr lang="en-US" baseline="0" dirty="0" smtClean="0"/>
+              <a:rPr lang="en-US" baseline="0" dirty="0"/>
               <a:t>Different types can be specified for the input such as text for a textbox, radio for radio buttons, checkbox for checkboxes, and submit for the submit button.</a:t>
             </a:r>
           </a:p>
@@ -1649,15 +1648,15 @@
               <a:buChar char="•"/>
             </a:pPr>
             <a:r>
-              <a:rPr lang="en-US" baseline="0" dirty="0" smtClean="0"/>
+              <a:rPr lang="en-US" baseline="0" dirty="0"/>
               <a:t>The </a:t>
             </a:r>
             <a:r>
-              <a:rPr lang="en-US" baseline="0" dirty="0" err="1" smtClean="0"/>
+              <a:rPr lang="en-US" baseline="0" dirty="0" err="1"/>
               <a:t>fieldset</a:t>
             </a:r>
             <a:r>
-              <a:rPr lang="en-US" baseline="0" dirty="0" smtClean="0"/>
+              <a:rPr lang="en-US" baseline="0" dirty="0"/>
               <a:t> can be used to semantically describe where form fields are.</a:t>
             </a:r>
           </a:p>
@@ -1748,7 +1747,7 @@
               <a:buChar char="•"/>
             </a:pPr>
             <a:r>
-              <a:rPr lang="en-US" baseline="0" dirty="0" smtClean="0"/>
+              <a:rPr lang="en-US" baseline="0" dirty="0"/>
               <a:t>Here’s a quick example of a form.</a:t>
             </a:r>
           </a:p>
@@ -1839,7 +1838,7 @@
               <a:buChar char="•"/>
             </a:pPr>
             <a:r>
-              <a:rPr lang="en-US" baseline="0" dirty="0" smtClean="0"/>
+              <a:rPr lang="en-US" baseline="0" dirty="0"/>
               <a:t>Attributes are properties associated with an element.</a:t>
             </a:r>
           </a:p>
@@ -1849,7 +1848,7 @@
               <a:buChar char="•"/>
             </a:pPr>
             <a:r>
-              <a:rPr lang="en-US" baseline="0" dirty="0" smtClean="0"/>
+              <a:rPr lang="en-US" baseline="0" dirty="0"/>
               <a:t>They go in the start tag and are written with the attribute name = to the value.</a:t>
             </a:r>
           </a:p>
@@ -1859,7 +1858,7 @@
               <a:buChar char="•"/>
             </a:pPr>
             <a:r>
-              <a:rPr lang="en-US" baseline="0" dirty="0" smtClean="0"/>
+              <a:rPr lang="en-US" baseline="0" dirty="0"/>
               <a:t>This is an example of the title attribute being set on the p element.</a:t>
             </a:r>
           </a:p>
@@ -2047,7 +2046,7 @@
               <a:defRPr/>
             </a:pPr>
             <a:r>
-              <a:rPr lang="en-US" sz="1200" kern="1200" dirty="0" smtClean="0">
+              <a:rPr lang="en-US" sz="1200" kern="1200" dirty="0">
                 <a:solidFill>
                   <a:schemeClr val="tx1"/>
                 </a:solidFill>
@@ -2065,7 +2064,7 @@
               <a:buChar char="•"/>
             </a:pPr>
             <a:r>
-              <a:rPr lang="en-US" sz="1200" kern="1200" dirty="0" smtClean="0">
+              <a:rPr lang="en-US" sz="1200" kern="1200" dirty="0">
                 <a:solidFill>
                   <a:schemeClr val="tx1"/>
                 </a:solidFill>
@@ -2083,7 +2082,7 @@
               <a:buChar char="•"/>
             </a:pPr>
             <a:r>
-              <a:rPr lang="en-US" sz="1200" kern="1200" dirty="0" smtClean="0">
+              <a:rPr lang="en-US" sz="1200" kern="1200" dirty="0">
                 <a:solidFill>
                   <a:schemeClr val="tx1"/>
                 </a:solidFill>
@@ -2095,7 +2094,7 @@
               <a:t>Write on the board a text box with an id “</a:t>
             </a:r>
             <a:r>
-              <a:rPr lang="en-US" sz="1200" kern="1200" dirty="0" err="1" smtClean="0">
+              <a:rPr lang="en-US" sz="1200" kern="1200" dirty="0" err="1">
                 <a:solidFill>
                   <a:schemeClr val="tx1"/>
                 </a:solidFill>
@@ -2107,7 +2106,7 @@
               <a:t>LastName</a:t>
             </a:r>
             <a:r>
-              <a:rPr lang="en-US" sz="1200" kern="1200" dirty="0" smtClean="0">
+              <a:rPr lang="en-US" sz="1200" kern="1200" dirty="0">
                 <a:solidFill>
                   <a:schemeClr val="tx1"/>
                 </a:solidFill>
@@ -2294,7 +2293,7 @@
               <a:buChar char="•"/>
             </a:pPr>
             <a:r>
-              <a:rPr lang="en-US" sz="1200" kern="1200" dirty="0" smtClean="0">
+              <a:rPr lang="en-US" sz="1200" kern="1200" dirty="0">
                 <a:solidFill>
                   <a:schemeClr val="tx1"/>
                 </a:solidFill>
@@ -2312,7 +2311,7 @@
               <a:buChar char="•"/>
             </a:pPr>
             <a:r>
-              <a:rPr lang="en-US" sz="1200" kern="1200" dirty="0" smtClean="0">
+              <a:rPr lang="en-US" sz="1200" kern="1200" dirty="0">
                 <a:solidFill>
                   <a:schemeClr val="tx1"/>
                 </a:solidFill>
@@ -2330,7 +2329,7 @@
               <a:buChar char="•"/>
             </a:pPr>
             <a:r>
-              <a:rPr lang="en-US" sz="1200" kern="1200" dirty="0" smtClean="0">
+              <a:rPr lang="en-US" sz="1200" kern="1200" dirty="0">
                 <a:solidFill>
                   <a:schemeClr val="tx1"/>
                 </a:solidFill>
@@ -2348,7 +2347,7 @@
               <a:buChar char="•"/>
             </a:pPr>
             <a:r>
-              <a:rPr lang="en-US" sz="1200" kern="1200" dirty="0" smtClean="0">
+              <a:rPr lang="en-US" sz="1200" kern="1200" dirty="0">
                 <a:solidFill>
                   <a:schemeClr val="tx1"/>
                 </a:solidFill>
@@ -2360,7 +2359,7 @@
               <a:t>Write on the board an image that exists in the </a:t>
             </a:r>
             <a:r>
-              <a:rPr lang="en-US" sz="1200" kern="1200" dirty="0" err="1" smtClean="0">
+              <a:rPr lang="en-US" sz="1200" kern="1200" dirty="0" err="1">
                 <a:solidFill>
                   <a:schemeClr val="tx1"/>
                 </a:solidFill>
@@ -2372,7 +2371,7 @@
               <a:t>img</a:t>
             </a:r>
             <a:r>
-              <a:rPr lang="en-US" sz="1200" kern="1200" dirty="0" smtClean="0">
+              <a:rPr lang="en-US" sz="1200" kern="1200" dirty="0">
                 <a:solidFill>
                   <a:schemeClr val="tx1"/>
                 </a:solidFill>
@@ -2390,7 +2389,7 @@
               <a:buChar char="•"/>
             </a:pPr>
             <a:r>
-              <a:rPr lang="en-US" sz="1200" kern="1200" dirty="0" smtClean="0">
+              <a:rPr lang="en-US" sz="1200" kern="1200" dirty="0">
                 <a:solidFill>
                   <a:schemeClr val="tx1"/>
                 </a:solidFill>
@@ -2408,7 +2407,7 @@
               <a:buChar char="•"/>
             </a:pPr>
             <a:r>
-              <a:rPr lang="en-US" sz="1200" kern="1200" dirty="0" smtClean="0">
+              <a:rPr lang="en-US" sz="1200" kern="1200" dirty="0">
                 <a:solidFill>
                   <a:schemeClr val="tx1"/>
                 </a:solidFill>
@@ -2426,7 +2425,7 @@
               <a:buChar char="•"/>
             </a:pPr>
             <a:r>
-              <a:rPr lang="en-US" sz="1200" kern="1200" dirty="0" smtClean="0">
+              <a:rPr lang="en-US" sz="1200" kern="1200" dirty="0">
                 <a:solidFill>
                   <a:schemeClr val="tx1"/>
                 </a:solidFill>
@@ -2438,7 +2437,7 @@
               <a:t>Write on the board a text box with an id “</a:t>
             </a:r>
             <a:r>
-              <a:rPr lang="en-US" sz="1200" kern="1200" dirty="0" err="1" smtClean="0">
+              <a:rPr lang="en-US" sz="1200" kern="1200" dirty="0" err="1">
                 <a:solidFill>
                   <a:schemeClr val="tx1"/>
                 </a:solidFill>
@@ -2450,7 +2449,7 @@
               <a:t>LastName</a:t>
             </a:r>
             <a:r>
-              <a:rPr lang="en-US" sz="1200" kern="1200" dirty="0" smtClean="0">
+              <a:rPr lang="en-US" sz="1200" kern="1200" dirty="0">
                 <a:solidFill>
                   <a:schemeClr val="tx1"/>
                 </a:solidFill>
@@ -2637,7 +2636,7 @@
               <a:buChar char="•"/>
             </a:pPr>
             <a:r>
-              <a:rPr lang="en-US" baseline="0" dirty="0" smtClean="0"/>
+              <a:rPr lang="en-US" baseline="0" dirty="0"/>
               <a:t>Comments in html are represented with this syntax &lt;!-- comment --&gt;</a:t>
             </a:r>
           </a:p>
@@ -2647,7 +2646,7 @@
               <a:buChar char="•"/>
             </a:pPr>
             <a:r>
-              <a:rPr lang="en-US" baseline="0" dirty="0" smtClean="0"/>
+              <a:rPr lang="en-US" baseline="0" dirty="0"/>
               <a:t>Here is an example.</a:t>
             </a:r>
           </a:p>
@@ -2738,15 +2737,15 @@
               <a:buChar char="•"/>
             </a:pPr>
             <a:r>
-              <a:rPr lang="en-US" baseline="0" dirty="0" smtClean="0"/>
+              <a:rPr lang="en-US" baseline="0" dirty="0"/>
               <a:t>The </a:t>
             </a:r>
             <a:r>
-              <a:rPr lang="en-US" baseline="0" dirty="0" err="1" smtClean="0"/>
+              <a:rPr lang="en-US" baseline="0" dirty="0" err="1"/>
               <a:t>DocType</a:t>
             </a:r>
             <a:r>
-              <a:rPr lang="en-US" baseline="0" dirty="0" smtClean="0"/>
+              <a:rPr lang="en-US" baseline="0" dirty="0"/>
               <a:t> is that first part of the HTML page.</a:t>
             </a:r>
           </a:p>
@@ -2756,7 +2755,7 @@
               <a:buChar char="•"/>
             </a:pPr>
             <a:r>
-              <a:rPr lang="en-US" baseline="0" dirty="0" smtClean="0"/>
+              <a:rPr lang="en-US" baseline="0" dirty="0"/>
               <a:t>It tells the browser which version of HTML it is.</a:t>
             </a:r>
           </a:p>
@@ -2766,7 +2765,7 @@
               <a:buChar char="•"/>
             </a:pPr>
             <a:r>
-              <a:rPr lang="en-US" baseline="0" dirty="0" smtClean="0"/>
+              <a:rPr lang="en-US" baseline="0" dirty="0"/>
               <a:t>Let’s see the examples..</a:t>
             </a:r>
           </a:p>
@@ -2776,7 +2775,7 @@
               <a:buChar char="•"/>
             </a:pPr>
             <a:r>
-              <a:rPr lang="en-US" baseline="0" dirty="0" smtClean="0"/>
+              <a:rPr lang="en-US" baseline="0" dirty="0"/>
               <a:t>For HTML 5 you just specify html.</a:t>
             </a:r>
           </a:p>
@@ -2867,7 +2866,7 @@
               <a:buChar char="•"/>
             </a:pPr>
             <a:r>
-              <a:rPr lang="en-US" baseline="0" dirty="0" smtClean="0"/>
+              <a:rPr lang="en-US" baseline="0" dirty="0"/>
               <a:t>This is the structure of a basic html page.</a:t>
             </a:r>
           </a:p>
@@ -2877,15 +2876,15 @@
               <a:buChar char="•"/>
             </a:pPr>
             <a:r>
-              <a:rPr lang="en-US" baseline="0" dirty="0" smtClean="0"/>
+              <a:rPr lang="en-US" baseline="0" dirty="0"/>
               <a:t>The </a:t>
             </a:r>
             <a:r>
-              <a:rPr lang="en-US" baseline="0" dirty="0" err="1" smtClean="0"/>
+              <a:rPr lang="en-US" baseline="0" dirty="0" err="1"/>
               <a:t>DocType</a:t>
             </a:r>
             <a:r>
-              <a:rPr lang="en-US" baseline="0" dirty="0" smtClean="0"/>
+              <a:rPr lang="en-US" baseline="0" dirty="0"/>
               <a:t> element is specified first.</a:t>
             </a:r>
           </a:p>
@@ -2895,7 +2894,7 @@
               <a:buChar char="•"/>
             </a:pPr>
             <a:r>
-              <a:rPr lang="en-US" baseline="0" dirty="0" smtClean="0"/>
+              <a:rPr lang="en-US" baseline="0" dirty="0"/>
               <a:t>Then you have the html element.</a:t>
             </a:r>
           </a:p>
@@ -2905,7 +2904,7 @@
               <a:buChar char="•"/>
             </a:pPr>
             <a:r>
-              <a:rPr lang="en-US" baseline="0" dirty="0" smtClean="0"/>
+              <a:rPr lang="en-US" baseline="0" dirty="0"/>
               <a:t>Inside the html element is the head element.</a:t>
             </a:r>
           </a:p>
@@ -2915,7 +2914,7 @@
               <a:buChar char="•"/>
             </a:pPr>
             <a:r>
-              <a:rPr lang="en-US" baseline="0" dirty="0" smtClean="0"/>
+              <a:rPr lang="en-US" baseline="0" dirty="0"/>
               <a:t>After the head element is the body element inside of the html element.</a:t>
             </a:r>
           </a:p>
@@ -2925,7 +2924,7 @@
               <a:buChar char="•"/>
             </a:pPr>
             <a:r>
-              <a:rPr lang="en-US" baseline="0" dirty="0" smtClean="0"/>
+              <a:rPr lang="en-US" baseline="0" dirty="0"/>
               <a:t>The other page elements will go in the body.</a:t>
             </a:r>
           </a:p>
@@ -2934,7 +2933,7 @@
               <a:buFont typeface="Arial" panose="020B0604020202020204" pitchFamily="34" charset="0"/>
               <a:buChar char="•"/>
             </a:pPr>
-            <a:endParaRPr lang="en-US" baseline="0" dirty="0" smtClean="0"/>
+            <a:endParaRPr lang="en-US" baseline="0" dirty="0"/>
           </a:p>
         </p:txBody>
       </p:sp>
@@ -3107,7 +3106,7 @@
               <a:buChar char="•"/>
             </a:pPr>
             <a:r>
-              <a:rPr lang="en-US" sz="1200" kern="1200" dirty="0" smtClean="0">
+              <a:rPr lang="en-US" sz="1200" kern="1200" dirty="0">
                 <a:solidFill>
                   <a:schemeClr val="tx1"/>
                 </a:solidFill>
@@ -3125,7 +3124,7 @@
               <a:buChar char="•"/>
             </a:pPr>
             <a:r>
-              <a:rPr lang="en-US" sz="1200" kern="1200" dirty="0" smtClean="0">
+              <a:rPr lang="en-US" sz="1200" kern="1200" dirty="0">
                 <a:solidFill>
                   <a:schemeClr val="tx1"/>
                 </a:solidFill>
@@ -3224,7 +3223,7 @@
               <a:buChar char="•"/>
             </a:pPr>
             <a:r>
-              <a:rPr lang="en-US" baseline="0" dirty="0" smtClean="0"/>
+              <a:rPr lang="en-US" baseline="0" dirty="0"/>
               <a:t>Here are some common elements that you will see over and over again.</a:t>
             </a:r>
           </a:p>
@@ -3234,11 +3233,11 @@
               <a:buChar char="•"/>
             </a:pPr>
             <a:r>
-              <a:rPr lang="en-US" baseline="0" dirty="0" err="1" smtClean="0"/>
+              <a:rPr lang="en-US" baseline="0" dirty="0" err="1"/>
               <a:t>Div</a:t>
             </a:r>
             <a:r>
-              <a:rPr lang="en-US" baseline="0" dirty="0" smtClean="0"/>
+              <a:rPr lang="en-US" baseline="0" dirty="0"/>
               <a:t> provides an empty container to be styled.</a:t>
             </a:r>
           </a:p>
@@ -3248,7 +3247,7 @@
               <a:buChar char="•"/>
             </a:pPr>
             <a:r>
-              <a:rPr lang="en-US" baseline="0" dirty="0" smtClean="0"/>
+              <a:rPr lang="en-US" baseline="0" dirty="0"/>
               <a:t>Span also provides an empty container to be styled, but inline.</a:t>
             </a:r>
           </a:p>
@@ -3258,7 +3257,7 @@
               <a:buChar char="•"/>
             </a:pPr>
             <a:r>
-              <a:rPr lang="en-US" baseline="0" dirty="0" smtClean="0"/>
+              <a:rPr lang="en-US" baseline="0" dirty="0"/>
               <a:t>p represents a paragraph</a:t>
             </a:r>
           </a:p>
@@ -3268,7 +3267,7 @@
               <a:buChar char="•"/>
             </a:pPr>
             <a:r>
-              <a:rPr lang="en-US" baseline="0" dirty="0" smtClean="0"/>
+              <a:rPr lang="en-US" baseline="0" dirty="0"/>
               <a:t>h1, h2, h3, h4, h5, and h6 are different sizes of headings.</a:t>
             </a:r>
           </a:p>
@@ -3278,11 +3277,11 @@
               <a:buChar char="•"/>
             </a:pPr>
             <a:r>
-              <a:rPr lang="en-US" baseline="0" dirty="0" err="1" smtClean="0"/>
+              <a:rPr lang="en-US" baseline="0" dirty="0" err="1"/>
               <a:t>br</a:t>
             </a:r>
             <a:r>
-              <a:rPr lang="en-US" baseline="0" dirty="0" smtClean="0"/>
+              <a:rPr lang="en-US" baseline="0" dirty="0"/>
               <a:t> represents a break</a:t>
             </a:r>
           </a:p>
@@ -3292,11 +3291,11 @@
               <a:buChar char="•"/>
             </a:pPr>
             <a:r>
-              <a:rPr lang="en-US" baseline="0" dirty="0" err="1" smtClean="0"/>
+              <a:rPr lang="en-US" baseline="0" dirty="0" err="1"/>
               <a:t>hr</a:t>
             </a:r>
             <a:r>
-              <a:rPr lang="en-US" baseline="0" dirty="0" smtClean="0"/>
+              <a:rPr lang="en-US" baseline="0" dirty="0"/>
               <a:t> represents a horizontal line</a:t>
             </a:r>
           </a:p>
@@ -3305,14 +3304,14 @@
               <a:buFont typeface="Arial" panose="020B0604020202020204" pitchFamily="34" charset="0"/>
               <a:buChar char="•"/>
             </a:pPr>
-            <a:endParaRPr lang="en-US" baseline="0" dirty="0" smtClean="0"/>
+            <a:endParaRPr lang="en-US" baseline="0" dirty="0"/>
           </a:p>
           <a:p>
             <a:pPr marL="171450" indent="-171450">
               <a:buFont typeface="Arial" panose="020B0604020202020204" pitchFamily="34" charset="0"/>
               <a:buChar char="•"/>
             </a:pPr>
-            <a:endParaRPr lang="en-US" baseline="0" dirty="0" smtClean="0"/>
+            <a:endParaRPr lang="en-US" baseline="0" dirty="0"/>
           </a:p>
         </p:txBody>
       </p:sp>
@@ -3401,15 +3400,15 @@
               <a:buChar char="•"/>
             </a:pPr>
             <a:r>
-              <a:rPr lang="en-US" baseline="0" dirty="0" smtClean="0"/>
+              <a:rPr lang="en-US" baseline="0" dirty="0"/>
               <a:t>The </a:t>
             </a:r>
             <a:r>
-              <a:rPr lang="en-US" baseline="0" dirty="0" err="1" smtClean="0"/>
+              <a:rPr lang="en-US" baseline="0" dirty="0" err="1"/>
               <a:t>img</a:t>
             </a:r>
             <a:r>
-              <a:rPr lang="en-US" baseline="0" dirty="0" smtClean="0"/>
+              <a:rPr lang="en-US" baseline="0" dirty="0"/>
               <a:t> element represents an image on the page.</a:t>
             </a:r>
           </a:p>
@@ -3419,7 +3418,7 @@
               <a:buChar char="•"/>
             </a:pPr>
             <a:r>
-              <a:rPr lang="en-US" baseline="0" dirty="0" smtClean="0"/>
+              <a:rPr lang="en-US" baseline="0" dirty="0"/>
               <a:t>Here is an example of the element.</a:t>
             </a:r>
           </a:p>
@@ -3429,15 +3428,15 @@
               <a:buChar char="•"/>
             </a:pPr>
             <a:r>
-              <a:rPr lang="en-US" baseline="0" dirty="0" smtClean="0"/>
+              <a:rPr lang="en-US" baseline="0" dirty="0"/>
               <a:t>There is a </a:t>
             </a:r>
             <a:r>
-              <a:rPr lang="en-US" baseline="0" dirty="0" err="1" smtClean="0"/>
+              <a:rPr lang="en-US" baseline="0" dirty="0" err="1"/>
               <a:t>src</a:t>
             </a:r>
             <a:r>
-              <a:rPr lang="en-US" baseline="0" dirty="0" smtClean="0"/>
+              <a:rPr lang="en-US" baseline="0" dirty="0"/>
               <a:t> attribute that defines where the image is in reference to the page.</a:t>
             </a:r>
           </a:p>
@@ -3447,7 +3446,7 @@
               <a:buChar char="•"/>
             </a:pPr>
             <a:r>
-              <a:rPr lang="en-US" baseline="0" dirty="0" smtClean="0"/>
+              <a:rPr lang="en-US" baseline="0" dirty="0"/>
               <a:t>The alt attribute is text that shows if the image cannot be displayed for some reason.</a:t>
             </a:r>
           </a:p>
@@ -3457,7 +3456,7 @@
               <a:buChar char="•"/>
             </a:pPr>
             <a:r>
-              <a:rPr lang="en-US" baseline="0" dirty="0" smtClean="0"/>
+              <a:rPr lang="en-US" baseline="0" dirty="0"/>
               <a:t>There is a width and height also, but it is recommended to use the style instead.</a:t>
             </a:r>
           </a:p>
@@ -3541,7 +3540,7 @@
           </a:lstStyle>
           <a:p>
             <a:r>
-              <a:rPr lang="en-US" smtClean="0"/>
+              <a:rPr lang="en-US"/>
               <a:t>Click to edit Master title style</a:t>
             </a:r>
             <a:endParaRPr lang="en-US" dirty="0"/>
@@ -3661,7 +3660,7 @@
           </a:lstStyle>
           <a:p>
             <a:r>
-              <a:rPr lang="en-US" smtClean="0"/>
+              <a:rPr lang="en-US"/>
               <a:t>Click to edit Master subtitle style</a:t>
             </a:r>
             <a:endParaRPr lang="en-US" dirty="0"/>
@@ -3685,7 +3684,7 @@
           <a:p>
             <a:fld id="{96FB5D56-0812-4ED5-8B52-3D0DCBF578CB}" type="datetimeFigureOut">
               <a:rPr lang="en-US" smtClean="0"/>
-              <a:t>3/3/2018</a:t>
+              <a:t>5/28/2018</a:t>
             </a:fld>
             <a:endParaRPr lang="en-US"/>
           </a:p>
@@ -3790,7 +3789,7 @@
           </a:lstStyle>
           <a:p>
             <a:r>
-              <a:rPr lang="en-US" smtClean="0"/>
+              <a:rPr lang="en-US"/>
               <a:t>Click to edit Master title style</a:t>
             </a:r>
             <a:endParaRPr lang="en-US" dirty="0"/>
@@ -3869,7 +3868,7 @@
           </a:lstStyle>
           <a:p>
             <a:r>
-              <a:rPr lang="en-US" smtClean="0"/>
+              <a:rPr lang="en-US"/>
               <a:t>Click icon to add picture</a:t>
             </a:r>
             <a:endParaRPr lang="en-US" dirty="0"/>
@@ -3937,7 +3936,7 @@
           <a:p>
             <a:pPr lvl="0"/>
             <a:r>
-              <a:rPr lang="en-US" smtClean="0"/>
+              <a:rPr lang="en-US"/>
               <a:t>Click to edit Master text styles</a:t>
             </a:r>
           </a:p>
@@ -3960,7 +3959,7 @@
           <a:p>
             <a:fld id="{96FB5D56-0812-4ED5-8B52-3D0DCBF578CB}" type="datetimeFigureOut">
               <a:rPr lang="en-US" smtClean="0"/>
-              <a:t>3/3/2018</a:t>
+              <a:t>5/28/2018</a:t>
             </a:fld>
             <a:endParaRPr lang="en-US"/>
           </a:p>
@@ -4063,7 +4062,7 @@
           </a:lstStyle>
           <a:p>
             <a:r>
-              <a:rPr lang="en-US" smtClean="0"/>
+              <a:rPr lang="en-US"/>
               <a:t>Click to edit Master title style</a:t>
             </a:r>
             <a:endParaRPr lang="en-US" dirty="0"/>
@@ -4131,7 +4130,7 @@
           <a:p>
             <a:pPr lvl="0"/>
             <a:r>
-              <a:rPr lang="en-US" smtClean="0"/>
+              <a:rPr lang="en-US"/>
               <a:t>Click to edit Master text styles</a:t>
             </a:r>
           </a:p>
@@ -4154,7 +4153,7 @@
           <a:p>
             <a:fld id="{96FB5D56-0812-4ED5-8B52-3D0DCBF578CB}" type="datetimeFigureOut">
               <a:rPr lang="en-US" smtClean="0"/>
-              <a:t>3/3/2018</a:t>
+              <a:t>5/28/2018</a:t>
             </a:fld>
             <a:endParaRPr lang="en-US"/>
           </a:p>
@@ -4257,7 +4256,7 @@
           </a:lstStyle>
           <a:p>
             <a:r>
-              <a:rPr lang="en-US" smtClean="0"/>
+              <a:rPr lang="en-US"/>
               <a:t>Click to edit Master title style</a:t>
             </a:r>
             <a:endParaRPr lang="en-US" dirty="0"/>
@@ -4337,7 +4336,7 @@
               <a:buNone/>
             </a:pPr>
             <a:r>
-              <a:rPr lang="en-US" smtClean="0"/>
+              <a:rPr lang="en-US"/>
               <a:t>Click to edit Master text styles</a:t>
             </a:r>
           </a:p>
@@ -4404,7 +4403,7 @@
           <a:p>
             <a:pPr lvl="0"/>
             <a:r>
-              <a:rPr lang="en-US" smtClean="0"/>
+              <a:rPr lang="en-US"/>
               <a:t>Click to edit Master text styles</a:t>
             </a:r>
           </a:p>
@@ -4427,7 +4426,7 @@
           <a:p>
             <a:fld id="{96FB5D56-0812-4ED5-8B52-3D0DCBF578CB}" type="datetimeFigureOut">
               <a:rPr lang="en-US" smtClean="0"/>
-              <a:t>3/3/2018</a:t>
+              <a:t>5/28/2018</a:t>
             </a:fld>
             <a:endParaRPr lang="en-US"/>
           </a:p>
@@ -4624,7 +4623,7 @@
           </a:lstStyle>
           <a:p>
             <a:r>
-              <a:rPr lang="en-US" smtClean="0"/>
+              <a:rPr lang="en-US"/>
               <a:t>Click to edit Master title style</a:t>
             </a:r>
             <a:endParaRPr lang="en-US" dirty="0"/>
@@ -4745,7 +4744,7 @@
           <a:p>
             <a:pPr lvl="0"/>
             <a:r>
-              <a:rPr lang="en-US" smtClean="0"/>
+              <a:rPr lang="en-US"/>
               <a:t>Click to edit Master text styles</a:t>
             </a:r>
           </a:p>
@@ -4768,7 +4767,7 @@
           <a:p>
             <a:fld id="{96FB5D56-0812-4ED5-8B52-3D0DCBF578CB}" type="datetimeFigureOut">
               <a:rPr lang="en-US" smtClean="0"/>
-              <a:t>3/3/2018</a:t>
+              <a:t>5/28/2018</a:t>
             </a:fld>
             <a:endParaRPr lang="en-US"/>
           </a:p>
@@ -4866,7 +4865,7 @@
           </a:lstStyle>
           <a:p>
             <a:r>
-              <a:rPr lang="en-US" smtClean="0"/>
+              <a:rPr lang="en-US"/>
               <a:t>Click to edit Master title style</a:t>
             </a:r>
             <a:endParaRPr lang="en-US" dirty="0"/>
@@ -4941,7 +4940,7 @@
           <a:p>
             <a:pPr lvl="0"/>
             <a:r>
-              <a:rPr lang="en-US" smtClean="0"/>
+              <a:rPr lang="en-US"/>
               <a:t>Click to edit Master text styles</a:t>
             </a:r>
           </a:p>
@@ -5008,7 +5007,7 @@
           <a:p>
             <a:pPr lvl="0"/>
             <a:r>
-              <a:rPr lang="en-US" smtClean="0"/>
+              <a:rPr lang="en-US"/>
               <a:t>Click to edit Master text styles</a:t>
             </a:r>
           </a:p>
@@ -5082,7 +5081,7 @@
           <a:p>
             <a:pPr lvl="0"/>
             <a:r>
-              <a:rPr lang="en-US" smtClean="0"/>
+              <a:rPr lang="en-US"/>
               <a:t>Click to edit Master text styles</a:t>
             </a:r>
           </a:p>
@@ -5149,7 +5148,7 @@
           <a:p>
             <a:pPr lvl="0"/>
             <a:r>
-              <a:rPr lang="en-US" smtClean="0"/>
+              <a:rPr lang="en-US"/>
               <a:t>Click to edit Master text styles</a:t>
             </a:r>
           </a:p>
@@ -5223,7 +5222,7 @@
           <a:p>
             <a:pPr lvl="0"/>
             <a:r>
-              <a:rPr lang="en-US" smtClean="0"/>
+              <a:rPr lang="en-US"/>
               <a:t>Click to edit Master text styles</a:t>
             </a:r>
           </a:p>
@@ -5290,7 +5289,7 @@
           <a:p>
             <a:pPr lvl="0"/>
             <a:r>
-              <a:rPr lang="en-US" smtClean="0"/>
+              <a:rPr lang="en-US"/>
               <a:t>Click to edit Master text styles</a:t>
             </a:r>
           </a:p>
@@ -5391,7 +5390,7 @@
           <a:p>
             <a:fld id="{96FB5D56-0812-4ED5-8B52-3D0DCBF578CB}" type="datetimeFigureOut">
               <a:rPr lang="en-US" smtClean="0"/>
-              <a:t>3/3/2018</a:t>
+              <a:t>5/28/2018</a:t>
             </a:fld>
             <a:endParaRPr lang="en-US"/>
           </a:p>
@@ -5489,7 +5488,7 @@
           </a:lstStyle>
           <a:p>
             <a:r>
-              <a:rPr lang="en-US" smtClean="0"/>
+              <a:rPr lang="en-US"/>
               <a:t>Click to edit Master title style</a:t>
             </a:r>
             <a:endParaRPr lang="en-US" dirty="0"/>
@@ -5564,7 +5563,7 @@
           <a:p>
             <a:pPr lvl="0"/>
             <a:r>
-              <a:rPr lang="en-US" smtClean="0"/>
+              <a:rPr lang="en-US"/>
               <a:t>Click to edit Master text styles</a:t>
             </a:r>
           </a:p>
@@ -5642,7 +5641,7 @@
           </a:lstStyle>
           <a:p>
             <a:r>
-              <a:rPr lang="en-US" smtClean="0"/>
+              <a:rPr lang="en-US"/>
               <a:t>Click icon to add picture</a:t>
             </a:r>
             <a:endParaRPr lang="en-US" dirty="0"/>
@@ -5710,7 +5709,7 @@
           <a:p>
             <a:pPr lvl="0"/>
             <a:r>
-              <a:rPr lang="en-US" smtClean="0"/>
+              <a:rPr lang="en-US"/>
               <a:t>Click to edit Master text styles</a:t>
             </a:r>
           </a:p>
@@ -5784,7 +5783,7 @@
           <a:p>
             <a:pPr lvl="0"/>
             <a:r>
-              <a:rPr lang="en-US" smtClean="0"/>
+              <a:rPr lang="en-US"/>
               <a:t>Click to edit Master text styles</a:t>
             </a:r>
           </a:p>
@@ -5862,7 +5861,7 @@
           </a:lstStyle>
           <a:p>
             <a:r>
-              <a:rPr lang="en-US" smtClean="0"/>
+              <a:rPr lang="en-US"/>
               <a:t>Click icon to add picture</a:t>
             </a:r>
             <a:endParaRPr lang="en-US" dirty="0"/>
@@ -5930,7 +5929,7 @@
           <a:p>
             <a:pPr lvl="0"/>
             <a:r>
-              <a:rPr lang="en-US" smtClean="0"/>
+              <a:rPr lang="en-US"/>
               <a:t>Click to edit Master text styles</a:t>
             </a:r>
           </a:p>
@@ -6004,7 +6003,7 @@
           <a:p>
             <a:pPr lvl="0"/>
             <a:r>
-              <a:rPr lang="en-US" smtClean="0"/>
+              <a:rPr lang="en-US"/>
               <a:t>Click to edit Master text styles</a:t>
             </a:r>
           </a:p>
@@ -6082,7 +6081,7 @@
           </a:lstStyle>
           <a:p>
             <a:r>
-              <a:rPr lang="en-US" smtClean="0"/>
+              <a:rPr lang="en-US"/>
               <a:t>Click icon to add picture</a:t>
             </a:r>
             <a:endParaRPr lang="en-US" dirty="0"/>
@@ -6150,7 +6149,7 @@
           <a:p>
             <a:pPr lvl="0"/>
             <a:r>
-              <a:rPr lang="en-US" smtClean="0"/>
+              <a:rPr lang="en-US"/>
               <a:t>Click to edit Master text styles</a:t>
             </a:r>
           </a:p>
@@ -6251,7 +6250,7 @@
           <a:p>
             <a:fld id="{96FB5D56-0812-4ED5-8B52-3D0DCBF578CB}" type="datetimeFigureOut">
               <a:rPr lang="en-US" smtClean="0"/>
-              <a:t>3/3/2018</a:t>
+              <a:t>5/28/2018</a:t>
             </a:fld>
             <a:endParaRPr lang="en-US"/>
           </a:p>
@@ -6345,7 +6344,7 @@
           <a:lstStyle/>
           <a:p>
             <a:r>
-              <a:rPr lang="en-US" smtClean="0"/>
+              <a:rPr lang="en-US"/>
               <a:t>Click to edit Master title style</a:t>
             </a:r>
             <a:endParaRPr lang="en-US" dirty="0"/>
@@ -6369,35 +6368,35 @@
           <a:p>
             <a:pPr lvl="0"/>
             <a:r>
-              <a:rPr lang="en-US" smtClean="0"/>
+              <a:rPr lang="en-US"/>
               <a:t>Click to edit Master text styles</a:t>
             </a:r>
           </a:p>
           <a:p>
             <a:pPr lvl="1"/>
             <a:r>
-              <a:rPr lang="en-US" smtClean="0"/>
+              <a:rPr lang="en-US"/>
               <a:t>Second level</a:t>
             </a:r>
           </a:p>
           <a:p>
             <a:pPr lvl="2"/>
             <a:r>
-              <a:rPr lang="en-US" smtClean="0"/>
+              <a:rPr lang="en-US"/>
               <a:t>Third level</a:t>
             </a:r>
           </a:p>
           <a:p>
             <a:pPr lvl="3"/>
             <a:r>
-              <a:rPr lang="en-US" smtClean="0"/>
+              <a:rPr lang="en-US"/>
               <a:t>Fourth level</a:t>
             </a:r>
           </a:p>
           <a:p>
             <a:pPr lvl="4"/>
             <a:r>
-              <a:rPr lang="en-US" smtClean="0"/>
+              <a:rPr lang="en-US"/>
               <a:t>Fifth level</a:t>
             </a:r>
             <a:endParaRPr lang="en-US" dirty="0"/>
@@ -6421,7 +6420,7 @@
           <a:p>
             <a:fld id="{96FB5D56-0812-4ED5-8B52-3D0DCBF578CB}" type="datetimeFigureOut">
               <a:rPr lang="en-US" smtClean="0"/>
-              <a:t>3/3/2018</a:t>
+              <a:t>5/28/2018</a:t>
             </a:fld>
             <a:endParaRPr lang="en-US"/>
           </a:p>
@@ -6520,7 +6519,7 @@
           <a:lstStyle/>
           <a:p>
             <a:r>
-              <a:rPr lang="en-US" smtClean="0"/>
+              <a:rPr lang="en-US"/>
               <a:t>Click to edit Master title style</a:t>
             </a:r>
             <a:endParaRPr lang="en-US" dirty="0"/>
@@ -6549,35 +6548,35 @@
           <a:p>
             <a:pPr lvl="0"/>
             <a:r>
-              <a:rPr lang="en-US" smtClean="0"/>
+              <a:rPr lang="en-US"/>
               <a:t>Click to edit Master text styles</a:t>
             </a:r>
           </a:p>
           <a:p>
             <a:pPr lvl="1"/>
             <a:r>
-              <a:rPr lang="en-US" smtClean="0"/>
+              <a:rPr lang="en-US"/>
               <a:t>Second level</a:t>
             </a:r>
           </a:p>
           <a:p>
             <a:pPr lvl="2"/>
             <a:r>
-              <a:rPr lang="en-US" smtClean="0"/>
+              <a:rPr lang="en-US"/>
               <a:t>Third level</a:t>
             </a:r>
           </a:p>
           <a:p>
             <a:pPr lvl="3"/>
             <a:r>
-              <a:rPr lang="en-US" smtClean="0"/>
+              <a:rPr lang="en-US"/>
               <a:t>Fourth level</a:t>
             </a:r>
           </a:p>
           <a:p>
             <a:pPr lvl="4"/>
             <a:r>
-              <a:rPr lang="en-US" smtClean="0"/>
+              <a:rPr lang="en-US"/>
               <a:t>Fifth level</a:t>
             </a:r>
             <a:endParaRPr lang="en-US" dirty="0"/>
@@ -6601,7 +6600,7 @@
           <a:p>
             <a:fld id="{96FB5D56-0812-4ED5-8B52-3D0DCBF578CB}" type="datetimeFigureOut">
               <a:rPr lang="en-US" smtClean="0"/>
-              <a:t>3/3/2018</a:t>
+              <a:t>5/28/2018</a:t>
             </a:fld>
             <a:endParaRPr lang="en-US"/>
           </a:p>
@@ -6695,7 +6694,7 @@
           <a:lstStyle/>
           <a:p>
             <a:r>
-              <a:rPr lang="en-US" smtClean="0"/>
+              <a:rPr lang="en-US"/>
               <a:t>Click to edit Master title style</a:t>
             </a:r>
             <a:endParaRPr lang="en-US" dirty="0"/>
@@ -6719,35 +6718,35 @@
           <a:p>
             <a:pPr lvl="0"/>
             <a:r>
-              <a:rPr lang="en-US" smtClean="0"/>
+              <a:rPr lang="en-US"/>
               <a:t>Click to edit Master text styles</a:t>
             </a:r>
           </a:p>
           <a:p>
             <a:pPr lvl="1"/>
             <a:r>
-              <a:rPr lang="en-US" smtClean="0"/>
+              <a:rPr lang="en-US"/>
               <a:t>Second level</a:t>
             </a:r>
           </a:p>
           <a:p>
             <a:pPr lvl="2"/>
             <a:r>
-              <a:rPr lang="en-US" smtClean="0"/>
+              <a:rPr lang="en-US"/>
               <a:t>Third level</a:t>
             </a:r>
           </a:p>
           <a:p>
             <a:pPr lvl="3"/>
             <a:r>
-              <a:rPr lang="en-US" smtClean="0"/>
+              <a:rPr lang="en-US"/>
               <a:t>Fourth level</a:t>
             </a:r>
           </a:p>
           <a:p>
             <a:pPr lvl="4"/>
             <a:r>
-              <a:rPr lang="en-US" smtClean="0"/>
+              <a:rPr lang="en-US"/>
               <a:t>Fifth level</a:t>
             </a:r>
             <a:endParaRPr lang="en-US" dirty="0"/>
@@ -6771,7 +6770,7 @@
           <a:p>
             <a:fld id="{96FB5D56-0812-4ED5-8B52-3D0DCBF578CB}" type="datetimeFigureOut">
               <a:rPr lang="en-US" smtClean="0"/>
-              <a:t>3/3/2018</a:t>
+              <a:t>5/28/2018</a:t>
             </a:fld>
             <a:endParaRPr lang="en-US"/>
           </a:p>
@@ -6874,7 +6873,7 @@
           </a:lstStyle>
           <a:p>
             <a:r>
-              <a:rPr lang="en-US" smtClean="0"/>
+              <a:rPr lang="en-US"/>
               <a:t>Click to edit Master title style</a:t>
             </a:r>
             <a:endParaRPr lang="en-US" dirty="0"/>
@@ -6995,7 +6994,7 @@
           <a:p>
             <a:pPr lvl="0"/>
             <a:r>
-              <a:rPr lang="en-US" smtClean="0"/>
+              <a:rPr lang="en-US"/>
               <a:t>Click to edit Master text styles</a:t>
             </a:r>
           </a:p>
@@ -7018,7 +7017,7 @@
           <a:p>
             <a:fld id="{96FB5D56-0812-4ED5-8B52-3D0DCBF578CB}" type="datetimeFigureOut">
               <a:rPr lang="en-US" smtClean="0"/>
-              <a:t>3/3/2018</a:t>
+              <a:t>5/28/2018</a:t>
             </a:fld>
             <a:endParaRPr lang="en-US"/>
           </a:p>
@@ -7112,7 +7111,7 @@
           <a:lstStyle/>
           <a:p>
             <a:r>
-              <a:rPr lang="en-US" smtClean="0"/>
+              <a:rPr lang="en-US"/>
               <a:t>Click to edit Master title style</a:t>
             </a:r>
             <a:endParaRPr lang="en-US" dirty="0"/>
@@ -7171,35 +7170,35 @@
           <a:p>
             <a:pPr lvl="0"/>
             <a:r>
-              <a:rPr lang="en-US" smtClean="0"/>
+              <a:rPr lang="en-US"/>
               <a:t>Click to edit Master text styles</a:t>
             </a:r>
           </a:p>
           <a:p>
             <a:pPr lvl="1"/>
             <a:r>
-              <a:rPr lang="en-US" smtClean="0"/>
+              <a:rPr lang="en-US"/>
               <a:t>Second level</a:t>
             </a:r>
           </a:p>
           <a:p>
             <a:pPr lvl="2"/>
             <a:r>
-              <a:rPr lang="en-US" smtClean="0"/>
+              <a:rPr lang="en-US"/>
               <a:t>Third level</a:t>
             </a:r>
           </a:p>
           <a:p>
             <a:pPr lvl="3"/>
             <a:r>
-              <a:rPr lang="en-US" smtClean="0"/>
+              <a:rPr lang="en-US"/>
               <a:t>Fourth level</a:t>
             </a:r>
           </a:p>
           <a:p>
             <a:pPr lvl="4"/>
             <a:r>
-              <a:rPr lang="en-US" smtClean="0"/>
+              <a:rPr lang="en-US"/>
               <a:t>Fifth level</a:t>
             </a:r>
             <a:endParaRPr lang="en-US" dirty="0"/>
@@ -7258,35 +7257,35 @@
           <a:p>
             <a:pPr lvl="0"/>
             <a:r>
-              <a:rPr lang="en-US" smtClean="0"/>
+              <a:rPr lang="en-US"/>
               <a:t>Click to edit Master text styles</a:t>
             </a:r>
           </a:p>
           <a:p>
             <a:pPr lvl="1"/>
             <a:r>
-              <a:rPr lang="en-US" smtClean="0"/>
+              <a:rPr lang="en-US"/>
               <a:t>Second level</a:t>
             </a:r>
           </a:p>
           <a:p>
             <a:pPr lvl="2"/>
             <a:r>
-              <a:rPr lang="en-US" smtClean="0"/>
+              <a:rPr lang="en-US"/>
               <a:t>Third level</a:t>
             </a:r>
           </a:p>
           <a:p>
             <a:pPr lvl="3"/>
             <a:r>
-              <a:rPr lang="en-US" smtClean="0"/>
+              <a:rPr lang="en-US"/>
               <a:t>Fourth level</a:t>
             </a:r>
           </a:p>
           <a:p>
             <a:pPr lvl="4"/>
             <a:r>
-              <a:rPr lang="en-US" smtClean="0"/>
+              <a:rPr lang="en-US"/>
               <a:t>Fifth level</a:t>
             </a:r>
             <a:endParaRPr lang="en-US" dirty="0"/>
@@ -7310,7 +7309,7 @@
           <a:p>
             <a:fld id="{96FB5D56-0812-4ED5-8B52-3D0DCBF578CB}" type="datetimeFigureOut">
               <a:rPr lang="en-US" smtClean="0"/>
-              <a:t>3/3/2018</a:t>
+              <a:t>5/28/2018</a:t>
             </a:fld>
             <a:endParaRPr lang="en-US"/>
           </a:p>
@@ -7408,7 +7407,7 @@
           </a:lstStyle>
           <a:p>
             <a:r>
-              <a:rPr lang="en-US" smtClean="0"/>
+              <a:rPr lang="en-US"/>
               <a:t>Click to edit Master title style</a:t>
             </a:r>
             <a:endParaRPr lang="en-US" dirty="0"/>
@@ -7483,7 +7482,7 @@
           <a:p>
             <a:pPr lvl="0"/>
             <a:r>
-              <a:rPr lang="en-US" smtClean="0"/>
+              <a:rPr lang="en-US"/>
               <a:t>Click to edit Master text styles</a:t>
             </a:r>
           </a:p>
@@ -7541,35 +7540,35 @@
           <a:p>
             <a:pPr lvl="0"/>
             <a:r>
-              <a:rPr lang="en-US" smtClean="0"/>
+              <a:rPr lang="en-US"/>
               <a:t>Click to edit Master text styles</a:t>
             </a:r>
           </a:p>
           <a:p>
             <a:pPr lvl="1"/>
             <a:r>
-              <a:rPr lang="en-US" smtClean="0"/>
+              <a:rPr lang="en-US"/>
               <a:t>Second level</a:t>
             </a:r>
           </a:p>
           <a:p>
             <a:pPr lvl="2"/>
             <a:r>
-              <a:rPr lang="en-US" smtClean="0"/>
+              <a:rPr lang="en-US"/>
               <a:t>Third level</a:t>
             </a:r>
           </a:p>
           <a:p>
             <a:pPr lvl="3"/>
             <a:r>
-              <a:rPr lang="en-US" smtClean="0"/>
+              <a:rPr lang="en-US"/>
               <a:t>Fourth level</a:t>
             </a:r>
           </a:p>
           <a:p>
             <a:pPr lvl="4"/>
             <a:r>
-              <a:rPr lang="en-US" smtClean="0"/>
+              <a:rPr lang="en-US"/>
               <a:t>Fifth level</a:t>
             </a:r>
             <a:endParaRPr lang="en-US" dirty="0"/>
@@ -7644,7 +7643,7 @@
           <a:p>
             <a:pPr lvl="0"/>
             <a:r>
-              <a:rPr lang="en-US" smtClean="0"/>
+              <a:rPr lang="en-US"/>
               <a:t>Click to edit Master text styles</a:t>
             </a:r>
           </a:p>
@@ -7702,35 +7701,35 @@
           <a:p>
             <a:pPr lvl="0"/>
             <a:r>
-              <a:rPr lang="en-US" smtClean="0"/>
+              <a:rPr lang="en-US"/>
               <a:t>Click to edit Master text styles</a:t>
             </a:r>
           </a:p>
           <a:p>
             <a:pPr lvl="1"/>
             <a:r>
-              <a:rPr lang="en-US" smtClean="0"/>
+              <a:rPr lang="en-US"/>
               <a:t>Second level</a:t>
             </a:r>
           </a:p>
           <a:p>
             <a:pPr lvl="2"/>
             <a:r>
-              <a:rPr lang="en-US" smtClean="0"/>
+              <a:rPr lang="en-US"/>
               <a:t>Third level</a:t>
             </a:r>
           </a:p>
           <a:p>
             <a:pPr lvl="3"/>
             <a:r>
-              <a:rPr lang="en-US" smtClean="0"/>
+              <a:rPr lang="en-US"/>
               <a:t>Fourth level</a:t>
             </a:r>
           </a:p>
           <a:p>
             <a:pPr lvl="4"/>
             <a:r>
-              <a:rPr lang="en-US" smtClean="0"/>
+              <a:rPr lang="en-US"/>
               <a:t>Fifth level</a:t>
             </a:r>
             <a:endParaRPr lang="en-US" dirty="0"/>
@@ -7754,7 +7753,7 @@
           <a:p>
             <a:fld id="{96FB5D56-0812-4ED5-8B52-3D0DCBF578CB}" type="datetimeFigureOut">
               <a:rPr lang="en-US" smtClean="0"/>
-              <a:t>3/3/2018</a:t>
+              <a:t>5/28/2018</a:t>
             </a:fld>
             <a:endParaRPr lang="en-US"/>
           </a:p>
@@ -7848,7 +7847,7 @@
           <a:lstStyle/>
           <a:p>
             <a:r>
-              <a:rPr lang="en-US" smtClean="0"/>
+              <a:rPr lang="en-US"/>
               <a:t>Click to edit Master title style</a:t>
             </a:r>
             <a:endParaRPr lang="en-US" dirty="0"/>
@@ -7872,7 +7871,7 @@
           <a:p>
             <a:fld id="{96FB5D56-0812-4ED5-8B52-3D0DCBF578CB}" type="datetimeFigureOut">
               <a:rPr lang="en-US" smtClean="0"/>
-              <a:t>3/3/2018</a:t>
+              <a:t>5/28/2018</a:t>
             </a:fld>
             <a:endParaRPr lang="en-US"/>
           </a:p>
@@ -7967,7 +7966,7 @@
           <a:p>
             <a:fld id="{96FB5D56-0812-4ED5-8B52-3D0DCBF578CB}" type="datetimeFigureOut">
               <a:rPr lang="en-US" smtClean="0"/>
-              <a:t>3/3/2018</a:t>
+              <a:t>5/28/2018</a:t>
             </a:fld>
             <a:endParaRPr lang="en-US"/>
           </a:p>
@@ -8070,7 +8069,7 @@
           </a:lstStyle>
           <a:p>
             <a:r>
-              <a:rPr lang="en-US" smtClean="0"/>
+              <a:rPr lang="en-US"/>
               <a:t>Click to edit Master title style</a:t>
             </a:r>
             <a:endParaRPr lang="en-US" dirty="0"/>
@@ -8129,35 +8128,35 @@
           <a:p>
             <a:pPr lvl="0"/>
             <a:r>
-              <a:rPr lang="en-US" smtClean="0"/>
+              <a:rPr lang="en-US"/>
               <a:t>Click to edit Master text styles</a:t>
             </a:r>
           </a:p>
           <a:p>
             <a:pPr lvl="1"/>
             <a:r>
-              <a:rPr lang="en-US" smtClean="0"/>
+              <a:rPr lang="en-US"/>
               <a:t>Second level</a:t>
             </a:r>
           </a:p>
           <a:p>
             <a:pPr lvl="2"/>
             <a:r>
-              <a:rPr lang="en-US" smtClean="0"/>
+              <a:rPr lang="en-US"/>
               <a:t>Third level</a:t>
             </a:r>
           </a:p>
           <a:p>
             <a:pPr lvl="3"/>
             <a:r>
-              <a:rPr lang="en-US" smtClean="0"/>
+              <a:rPr lang="en-US"/>
               <a:t>Fourth level</a:t>
             </a:r>
           </a:p>
           <a:p>
             <a:pPr lvl="4"/>
             <a:r>
-              <a:rPr lang="en-US" smtClean="0"/>
+              <a:rPr lang="en-US"/>
               <a:t>Fifth level</a:t>
             </a:r>
             <a:endParaRPr lang="en-US" dirty="0"/>
@@ -8223,7 +8222,7 @@
           <a:p>
             <a:pPr lvl="0"/>
             <a:r>
-              <a:rPr lang="en-US" smtClean="0"/>
+              <a:rPr lang="en-US"/>
               <a:t>Click to edit Master text styles</a:t>
             </a:r>
           </a:p>
@@ -8246,7 +8245,7 @@
           <a:p>
             <a:fld id="{96FB5D56-0812-4ED5-8B52-3D0DCBF578CB}" type="datetimeFigureOut">
               <a:rPr lang="en-US" smtClean="0"/>
-              <a:t>3/3/2018</a:t>
+              <a:t>5/28/2018</a:t>
             </a:fld>
             <a:endParaRPr lang="en-US"/>
           </a:p>
@@ -8351,7 +8350,7 @@
           </a:lstStyle>
           <a:p>
             <a:r>
-              <a:rPr lang="en-US" smtClean="0"/>
+              <a:rPr lang="en-US"/>
               <a:t>Click to edit Master title style</a:t>
             </a:r>
             <a:endParaRPr lang="en-US" dirty="0"/>
@@ -8430,7 +8429,7 @@
           </a:lstStyle>
           <a:p>
             <a:r>
-              <a:rPr lang="en-US" smtClean="0"/>
+              <a:rPr lang="en-US"/>
               <a:t>Click icon to add picture</a:t>
             </a:r>
             <a:endParaRPr lang="en-US" dirty="0"/>
@@ -8498,7 +8497,7 @@
           <a:p>
             <a:pPr lvl="0"/>
             <a:r>
-              <a:rPr lang="en-US" smtClean="0"/>
+              <a:rPr lang="en-US"/>
               <a:t>Click to edit Master text styles</a:t>
             </a:r>
           </a:p>
@@ -8521,7 +8520,7 @@
           <a:p>
             <a:fld id="{96FB5D56-0812-4ED5-8B52-3D0DCBF578CB}" type="datetimeFigureOut">
               <a:rPr lang="en-US" smtClean="0"/>
-              <a:t>3/3/2018</a:t>
+              <a:t>5/28/2018</a:t>
             </a:fld>
             <a:endParaRPr lang="en-US"/>
           </a:p>
@@ -8845,7 +8844,7 @@
           <a:lstStyle/>
           <a:p>
             <a:r>
-              <a:rPr lang="en-US" smtClean="0"/>
+              <a:rPr lang="en-US"/>
               <a:t>Click to edit Master title style</a:t>
             </a:r>
             <a:endParaRPr lang="en-US" dirty="0"/>
@@ -8879,35 +8878,35 @@
           <a:p>
             <a:pPr lvl="0"/>
             <a:r>
-              <a:rPr lang="en-US" smtClean="0"/>
+              <a:rPr lang="en-US"/>
               <a:t>Click to edit Master text styles</a:t>
             </a:r>
           </a:p>
           <a:p>
             <a:pPr lvl="1"/>
             <a:r>
-              <a:rPr lang="en-US" smtClean="0"/>
+              <a:rPr lang="en-US"/>
               <a:t>Second level</a:t>
             </a:r>
           </a:p>
           <a:p>
             <a:pPr lvl="2"/>
             <a:r>
-              <a:rPr lang="en-US" smtClean="0"/>
+              <a:rPr lang="en-US"/>
               <a:t>Third level</a:t>
             </a:r>
           </a:p>
           <a:p>
             <a:pPr lvl="3"/>
             <a:r>
-              <a:rPr lang="en-US" smtClean="0"/>
+              <a:rPr lang="en-US"/>
               <a:t>Fourth level</a:t>
             </a:r>
           </a:p>
           <a:p>
             <a:pPr lvl="4"/>
             <a:r>
-              <a:rPr lang="en-US" smtClean="0"/>
+              <a:rPr lang="en-US"/>
               <a:t>Fifth level</a:t>
             </a:r>
             <a:endParaRPr lang="en-US" dirty="0"/>
@@ -8950,7 +8949,7 @@
           <a:p>
             <a:fld id="{96FB5D56-0812-4ED5-8B52-3D0DCBF578CB}" type="datetimeFigureOut">
               <a:rPr lang="en-US" smtClean="0"/>
-              <a:t>3/3/2018</a:t>
+              <a:t>5/28/2018</a:t>
             </a:fld>
             <a:endParaRPr lang="en-US"/>
           </a:p>
@@ -9494,14 +9493,13 @@
           <a:lstStyle/>
           <a:p>
             <a:r>
-              <a:rPr lang="en-US" dirty="0" err="1" smtClean="0"/>
+              <a:rPr lang="en-US" dirty="0" err="1"/>
               <a:t>Logols</a:t>
             </a:r>
             <a:r>
-              <a:rPr lang="en-US" dirty="0" smtClean="0"/>
+              <a:rPr lang="en-US" dirty="0"/>
               <a:t> Learning</a:t>
             </a:r>
-            <a:endParaRPr lang="en-US" dirty="0"/>
           </a:p>
         </p:txBody>
       </p:sp>
@@ -9527,10 +9525,9 @@
           </a:p>
           <a:p>
             <a:r>
-              <a:rPr lang="en-US" dirty="0" smtClean="0"/>
+              <a:rPr lang="en-US" dirty="0"/>
               <a:t>Training:  HTML</a:t>
             </a:r>
-            <a:endParaRPr lang="en-US" dirty="0"/>
           </a:p>
         </p:txBody>
       </p:sp>
@@ -9544,13 +9541,6 @@
   <p:clrMapOvr>
     <a:masterClrMapping/>
   </p:clrMapOvr>
-  <p:timing>
-    <p:tnLst>
-      <p:par>
-        <p:cTn id="1" dur="indefinite" restart="never" nodeType="tmRoot"/>
-      </p:par>
-    </p:tnLst>
-  </p:timing>
 </p:sld>
 </file>
 
@@ -9587,10 +9577,9 @@
           <a:lstStyle/>
           <a:p>
             <a:r>
-              <a:rPr lang="en-US" dirty="0" smtClean="0"/>
+              <a:rPr lang="en-US" dirty="0"/>
               <a:t>Images</a:t>
             </a:r>
-            <a:endParaRPr lang="en-US" dirty="0"/>
           </a:p>
         </p:txBody>
       </p:sp>
@@ -9612,21 +9601,21 @@
           <a:lstStyle/>
           <a:p>
             <a:r>
-              <a:rPr lang="en-US" sz="1800" dirty="0" smtClean="0"/>
+              <a:rPr lang="en-US" sz="1800" dirty="0"/>
               <a:t>Represented by the </a:t>
             </a:r>
             <a:r>
-              <a:rPr lang="en-US" sz="1800" dirty="0" err="1" smtClean="0"/>
+              <a:rPr lang="en-US" sz="1800" dirty="0" err="1"/>
               <a:t>img</a:t>
             </a:r>
             <a:r>
-              <a:rPr lang="en-US" sz="1800" dirty="0" smtClean="0"/>
+              <a:rPr lang="en-US" sz="1800" dirty="0"/>
               <a:t> element</a:t>
             </a:r>
           </a:p>
           <a:p>
             <a:r>
-              <a:rPr lang="en-US" sz="1800" dirty="0" smtClean="0"/>
+              <a:rPr lang="en-US" sz="1800" dirty="0"/>
               <a:t>Attributes:</a:t>
             </a:r>
           </a:p>
@@ -9634,18 +9623,14 @@
             <a:pPr lvl="1"/>
             <a:r>
               <a:rPr lang="en-US" dirty="0" err="1"/>
-              <a:t>s</a:t>
-            </a:r>
-            <a:r>
-              <a:rPr lang="en-US" dirty="0" err="1" smtClean="0"/>
-              <a:t>rc</a:t>
-            </a:r>
-            <a:endParaRPr lang="en-US" dirty="0" smtClean="0"/>
+              <a:t>src</a:t>
+            </a:r>
+            <a:endParaRPr lang="en-US" dirty="0"/>
           </a:p>
           <a:p>
             <a:pPr lvl="1"/>
             <a:r>
-              <a:rPr lang="en-US" dirty="0" smtClean="0"/>
+              <a:rPr lang="en-US" dirty="0"/>
               <a:t>alt</a:t>
             </a:r>
           </a:p>
@@ -9653,48 +9638,36 @@
             <a:pPr lvl="1"/>
             <a:r>
               <a:rPr lang="en-US" dirty="0"/>
-              <a:t>w</a:t>
-            </a:r>
-            <a:r>
-              <a:rPr lang="en-US" dirty="0" smtClean="0"/>
-              <a:t>idth</a:t>
+              <a:t>width</a:t>
             </a:r>
           </a:p>
           <a:p>
             <a:pPr lvl="1"/>
             <a:r>
               <a:rPr lang="en-US" dirty="0"/>
-              <a:t>h</a:t>
-            </a:r>
-            <a:r>
-              <a:rPr lang="en-US" dirty="0" smtClean="0"/>
-              <a:t>eight</a:t>
+              <a:t>height</a:t>
             </a:r>
           </a:p>
           <a:p>
             <a:pPr lvl="1"/>
             <a:r>
               <a:rPr lang="en-US" dirty="0"/>
-              <a:t>s</a:t>
-            </a:r>
-            <a:r>
-              <a:rPr lang="en-US" dirty="0" smtClean="0"/>
-              <a:t>tyle</a:t>
+              <a:t>style</a:t>
             </a:r>
           </a:p>
           <a:p>
             <a:pPr lvl="1"/>
             <a:r>
-              <a:rPr lang="en-US" dirty="0" err="1" smtClean="0"/>
+              <a:rPr lang="en-US" dirty="0" err="1"/>
               <a:t>Usemap</a:t>
             </a:r>
-            <a:endParaRPr lang="en-US" dirty="0" smtClean="0"/>
+            <a:endParaRPr lang="en-US" dirty="0"/>
           </a:p>
           <a:p>
             <a:pPr marL="274320" lvl="1" indent="0">
               <a:buNone/>
             </a:pPr>
-            <a:endParaRPr lang="en-US" dirty="0" smtClean="0"/>
+            <a:endParaRPr lang="en-US" dirty="0"/>
           </a:p>
           <a:p>
             <a:pPr marL="45720" indent="0">
@@ -9704,7 +9677,7 @@
               <a:buNone/>
             </a:pPr>
             <a:r>
-              <a:rPr lang="en-US" sz="1800" dirty="0" smtClean="0"/>
+              <a:rPr lang="en-US" sz="1800" dirty="0"/>
               <a:t>Example:</a:t>
             </a:r>
           </a:p>
@@ -9716,26 +9689,25 @@
               <a:buNone/>
             </a:pPr>
             <a:r>
-              <a:rPr lang="en-US" sz="1800" dirty="0" smtClean="0"/>
+              <a:rPr lang="en-US" sz="1800" dirty="0"/>
               <a:t>&lt;</a:t>
             </a:r>
             <a:r>
-              <a:rPr lang="en-US" sz="1800" dirty="0" err="1" smtClean="0"/>
+              <a:rPr lang="en-US" sz="1800" dirty="0" err="1"/>
               <a:t>img</a:t>
             </a:r>
             <a:r>
-              <a:rPr lang="en-US" sz="1800" dirty="0" smtClean="0"/>
+              <a:rPr lang="en-US" sz="1800" dirty="0"/>
               <a:t> </a:t>
             </a:r>
             <a:r>
-              <a:rPr lang="en-US" sz="1800" dirty="0" err="1" smtClean="0"/>
+              <a:rPr lang="en-US" sz="1800" dirty="0" err="1"/>
               <a:t>src</a:t>
             </a:r>
             <a:r>
-              <a:rPr lang="en-US" sz="1800" dirty="0" smtClean="0"/>
+              <a:rPr lang="en-US" sz="1800" dirty="0"/>
               <a:t>=“logo.gif” alt=“my logo” style=“width:100px; height:100px;” /&gt;</a:t>
             </a:r>
-            <a:endParaRPr lang="en-US" sz="1800" dirty="0"/>
           </a:p>
         </p:txBody>
       </p:sp>
@@ -9814,10 +9786,9 @@
           <a:lstStyle/>
           <a:p>
             <a:r>
-              <a:rPr lang="en-US" dirty="0" smtClean="0"/>
+              <a:rPr lang="en-US" dirty="0"/>
               <a:t>Semantic Elements</a:t>
             </a:r>
-            <a:endParaRPr lang="en-US" dirty="0"/>
           </a:p>
         </p:txBody>
       </p:sp>
@@ -9839,44 +9810,44 @@
           <a:lstStyle/>
           <a:p>
             <a:r>
-              <a:rPr lang="en-US" sz="2800" dirty="0" smtClean="0"/>
+              <a:rPr lang="en-US" sz="2800" dirty="0"/>
               <a:t>article</a:t>
             </a:r>
           </a:p>
           <a:p>
             <a:r>
-              <a:rPr lang="en-US" sz="2800" dirty="0" smtClean="0"/>
+              <a:rPr lang="en-US" sz="2800" dirty="0"/>
               <a:t>aside</a:t>
             </a:r>
           </a:p>
           <a:p>
             <a:r>
-              <a:rPr lang="en-US" sz="2800" dirty="0" smtClean="0"/>
+              <a:rPr lang="en-US" sz="2800" dirty="0"/>
               <a:t>details</a:t>
             </a:r>
           </a:p>
           <a:p>
             <a:r>
-              <a:rPr lang="en-US" sz="2800" dirty="0" err="1" smtClean="0"/>
+              <a:rPr lang="en-US" sz="2800" dirty="0" err="1"/>
               <a:t>figcaption</a:t>
             </a:r>
-            <a:endParaRPr lang="en-US" sz="2800" dirty="0" smtClean="0"/>
-          </a:p>
-          <a:p>
-            <a:r>
-              <a:rPr lang="en-US" sz="2800" dirty="0" smtClean="0"/>
+            <a:endParaRPr lang="en-US" sz="2800" dirty="0"/>
+          </a:p>
+          <a:p>
+            <a:r>
+              <a:rPr lang="en-US" sz="2800" dirty="0"/>
               <a:t>figure</a:t>
             </a:r>
           </a:p>
           <a:p>
             <a:r>
-              <a:rPr lang="en-US" sz="2800" dirty="0" smtClean="0"/>
+              <a:rPr lang="en-US" sz="2800" dirty="0"/>
               <a:t>footer</a:t>
             </a:r>
           </a:p>
           <a:p>
             <a:r>
-              <a:rPr lang="en-US" sz="2800" dirty="0" smtClean="0"/>
+              <a:rPr lang="en-US" sz="2800" dirty="0"/>
               <a:t>header</a:t>
             </a:r>
           </a:p>
@@ -9901,35 +9872,34 @@
           <a:lstStyle/>
           <a:p>
             <a:r>
-              <a:rPr lang="en-US" sz="2800" dirty="0" smtClean="0"/>
+              <a:rPr lang="en-US" sz="2800" dirty="0"/>
               <a:t>mark</a:t>
             </a:r>
           </a:p>
           <a:p>
             <a:r>
-              <a:rPr lang="en-US" sz="2800" dirty="0" err="1" smtClean="0"/>
+              <a:rPr lang="en-US" sz="2800" dirty="0" err="1"/>
               <a:t>nav</a:t>
             </a:r>
-            <a:endParaRPr lang="en-US" sz="2800" dirty="0" smtClean="0"/>
-          </a:p>
-          <a:p>
-            <a:r>
-              <a:rPr lang="en-US" sz="2800" dirty="0" smtClean="0"/>
+            <a:endParaRPr lang="en-US" sz="2800" dirty="0"/>
+          </a:p>
+          <a:p>
+            <a:r>
+              <a:rPr lang="en-US" sz="2800" dirty="0"/>
               <a:t>section</a:t>
             </a:r>
           </a:p>
           <a:p>
             <a:r>
-              <a:rPr lang="en-US" sz="2800" dirty="0" smtClean="0"/>
+              <a:rPr lang="en-US" sz="2800" dirty="0"/>
               <a:t>summary</a:t>
             </a:r>
           </a:p>
           <a:p>
             <a:r>
-              <a:rPr lang="en-US" sz="2800" dirty="0" smtClean="0"/>
+              <a:rPr lang="en-US" sz="2800" dirty="0"/>
               <a:t>Time</a:t>
             </a:r>
-            <a:endParaRPr lang="en-US" sz="2800" dirty="0"/>
           </a:p>
           <a:p>
             <a:r>
@@ -9988,10 +9958,9 @@
           <a:lstStyle/>
           <a:p>
             <a:r>
-              <a:rPr lang="en-US" dirty="0" smtClean="0"/>
+              <a:rPr lang="en-US" dirty="0"/>
               <a:t>EXAMPLE</a:t>
             </a:r>
-            <a:endParaRPr lang="en-US" dirty="0"/>
           </a:p>
         </p:txBody>
       </p:sp>
@@ -10011,7 +9980,7 @@
           <a:lstStyle/>
           <a:p>
             <a:r>
-              <a:rPr lang="en-US" dirty="0" err="1" smtClean="0"/>
+              <a:rPr lang="en-US" dirty="0" err="1"/>
               <a:t>iMAGES</a:t>
             </a:r>
             <a:endParaRPr lang="en-US" dirty="0"/>
@@ -10058,13 +10027,6 @@
   <p:clrMapOvr>
     <a:masterClrMapping/>
   </p:clrMapOvr>
-  <p:timing>
-    <p:tnLst>
-      <p:par>
-        <p:cTn id="1" dur="indefinite" restart="never" nodeType="tmRoot"/>
-      </p:par>
-    </p:tnLst>
-  </p:timing>
 </p:sld>
 </file>
 
@@ -10101,10 +10063,9 @@
           <a:lstStyle/>
           <a:p>
             <a:r>
-              <a:rPr lang="en-US" dirty="0" smtClean="0"/>
+              <a:rPr lang="en-US" dirty="0"/>
               <a:t>ASSESSMENT</a:t>
             </a:r>
-            <a:endParaRPr lang="en-US" dirty="0"/>
           </a:p>
         </p:txBody>
       </p:sp>
@@ -10124,18 +10085,9 @@
           <a:lstStyle/>
           <a:p>
             <a:r>
-              <a:rPr lang="en-US" dirty="0" smtClean="0"/>
-              <a:t>Paragraph</a:t>
-            </a:r>
-            <a:r>
               <a:rPr lang="en-US" dirty="0"/>
-              <a:t> </a:t>
-            </a:r>
-            <a:r>
-              <a:rPr lang="en-US" dirty="0" smtClean="0"/>
-              <a:t>and Images</a:t>
-            </a:r>
-            <a:endParaRPr lang="en-US" dirty="0"/>
+              <a:t>Paragraph and Images</a:t>
+            </a:r>
           </a:p>
         </p:txBody>
       </p:sp>
@@ -10179,13 +10131,6 @@
   <p:clrMapOvr>
     <a:masterClrMapping/>
   </p:clrMapOvr>
-  <p:timing>
-    <p:tnLst>
-      <p:par>
-        <p:cTn id="1" dur="indefinite" restart="never" nodeType="tmRoot"/>
-      </p:par>
-    </p:tnLst>
-  </p:timing>
 </p:sld>
 </file>
 
@@ -10222,10 +10167,9 @@
           <a:lstStyle/>
           <a:p>
             <a:r>
-              <a:rPr lang="en-US" dirty="0" smtClean="0"/>
+              <a:rPr lang="en-US" dirty="0"/>
               <a:t>Assignment</a:t>
             </a:r>
-            <a:endParaRPr lang="en-US" dirty="0"/>
           </a:p>
         </p:txBody>
       </p:sp>
@@ -10252,29 +10196,28 @@
           <a:lstStyle/>
           <a:p>
             <a:r>
-              <a:rPr lang="en-US" sz="3200" dirty="0" smtClean="0"/>
+              <a:rPr lang="en-US" sz="3200" dirty="0"/>
               <a:t>Write an interface for our status report.</a:t>
             </a:r>
-            <a:endParaRPr lang="en-US" sz="3200" dirty="0"/>
           </a:p>
           <a:p>
             <a:pPr lvl="0"/>
             <a:r>
-              <a:rPr lang="en-US" sz="3200" dirty="0" smtClean="0"/>
+              <a:rPr lang="en-US" sz="3200" dirty="0"/>
               <a:t>Write the basic html structure with header text and title of “Zombie Status Report”.</a:t>
             </a:r>
           </a:p>
           <a:p>
             <a:pPr lvl="0"/>
             <a:r>
-              <a:rPr lang="en-US" sz="3200" dirty="0" smtClean="0"/>
+              <a:rPr lang="en-US" sz="3200" dirty="0"/>
               <a:t>Under the title, link to an image that you find online or have on your computer.</a:t>
             </a:r>
           </a:p>
           <a:p>
             <a:pPr lvl="0"/>
             <a:r>
-              <a:rPr lang="en-US" sz="3200" dirty="0" smtClean="0"/>
+              <a:rPr lang="en-US" sz="3200" dirty="0"/>
               <a:t>Under the image add a paragraph tag describing the report.</a:t>
             </a:r>
           </a:p>
@@ -10359,10 +10302,9 @@
           <a:lstStyle/>
           <a:p>
             <a:r>
-              <a:rPr lang="en-US" dirty="0" smtClean="0"/>
+              <a:rPr lang="en-US" dirty="0"/>
               <a:t>Links (Hyperlinks)</a:t>
             </a:r>
-            <a:endParaRPr lang="en-US" dirty="0"/>
           </a:p>
         </p:txBody>
       </p:sp>
@@ -10384,73 +10326,69 @@
           <a:lstStyle/>
           <a:p>
             <a:r>
-              <a:rPr lang="en-US" dirty="0" smtClean="0"/>
+              <a:rPr lang="en-US" dirty="0"/>
               <a:t>Represented by the a Element</a:t>
             </a:r>
           </a:p>
           <a:p>
             <a:r>
-              <a:rPr lang="en-US" dirty="0" smtClean="0"/>
+              <a:rPr lang="en-US" dirty="0"/>
               <a:t>Attributes:</a:t>
             </a:r>
           </a:p>
           <a:p>
             <a:pPr lvl="1"/>
             <a:r>
-              <a:rPr lang="en-US" dirty="0" err="1" smtClean="0"/>
+              <a:rPr lang="en-US" dirty="0" err="1"/>
               <a:t>Href</a:t>
             </a:r>
-            <a:endParaRPr lang="en-US" dirty="0" smtClean="0"/>
-          </a:p>
-          <a:p>
-            <a:r>
-              <a:rPr lang="en-US" dirty="0" smtClean="0"/>
+            <a:endParaRPr lang="en-US" dirty="0"/>
+          </a:p>
+          <a:p>
+            <a:r>
+              <a:rPr lang="en-US" dirty="0"/>
               <a:t>Absolute Path</a:t>
             </a:r>
           </a:p>
           <a:p>
             <a:pPr lvl="1"/>
             <a:r>
-              <a:rPr lang="en-US" dirty="0" smtClean="0"/>
+              <a:rPr lang="en-US" dirty="0"/>
               <a:t>http://www.google.com</a:t>
             </a:r>
           </a:p>
           <a:p>
             <a:r>
-              <a:rPr lang="en-US" dirty="0" smtClean="0"/>
+              <a:rPr lang="en-US" dirty="0"/>
               <a:t>Relative Paths</a:t>
             </a:r>
           </a:p>
           <a:p>
             <a:pPr lvl="1"/>
             <a:r>
-              <a:rPr lang="en-US" dirty="0" smtClean="0"/>
+              <a:rPr lang="en-US" dirty="0"/>
               <a:t>About.html</a:t>
             </a:r>
           </a:p>
           <a:p>
             <a:pPr lvl="1"/>
             <a:r>
-              <a:rPr lang="en-US" dirty="0" smtClean="0"/>
+              <a:rPr lang="en-US" dirty="0"/>
               <a:t>../About.html</a:t>
             </a:r>
           </a:p>
           <a:p>
             <a:pPr lvl="1"/>
             <a:r>
-              <a:rPr lang="en-US" dirty="0" smtClean="0"/>
-              <a:t>./</a:t>
-            </a:r>
-            <a:r>
-              <a:rPr lang="en-US" dirty="0" smtClean="0"/>
-              <a:t>Company/About.html</a:t>
+              <a:rPr lang="en-US" dirty="0"/>
+              <a:t>./Company/About.html</a:t>
             </a:r>
           </a:p>
           <a:p>
             <a:pPr marL="274320" lvl="1" indent="0">
               <a:buNone/>
             </a:pPr>
-            <a:endParaRPr lang="en-US" dirty="0" smtClean="0"/>
+            <a:endParaRPr lang="en-US" dirty="0"/>
           </a:p>
           <a:p>
             <a:pPr marL="45720" indent="0">
@@ -10460,7 +10398,7 @@
               <a:buNone/>
             </a:pPr>
             <a:r>
-              <a:rPr lang="en-US" dirty="0" smtClean="0"/>
+              <a:rPr lang="en-US" dirty="0"/>
               <a:t>Example:</a:t>
             </a:r>
           </a:p>
@@ -10472,15 +10410,15 @@
               <a:buNone/>
             </a:pPr>
             <a:r>
-              <a:rPr lang="en-US" dirty="0" smtClean="0"/>
+              <a:rPr lang="en-US" dirty="0"/>
               <a:t>&lt;a </a:t>
             </a:r>
             <a:r>
-              <a:rPr lang="en-US" dirty="0" err="1" smtClean="0"/>
+              <a:rPr lang="en-US" dirty="0" err="1"/>
               <a:t>href</a:t>
             </a:r>
             <a:r>
-              <a:rPr lang="en-US" dirty="0" smtClean="0"/>
+              <a:rPr lang="en-US" dirty="0"/>
               <a:t>=“http://www.google.com”&gt;Google Link&lt;/a&gt;</a:t>
             </a:r>
           </a:p>
@@ -10564,10 +10502,9 @@
           <a:lstStyle/>
           <a:p>
             <a:r>
-              <a:rPr lang="en-US" dirty="0" smtClean="0"/>
+              <a:rPr lang="en-US" dirty="0"/>
               <a:t>EXAMPLE</a:t>
             </a:r>
-            <a:endParaRPr lang="en-US" dirty="0"/>
           </a:p>
         </p:txBody>
       </p:sp>
@@ -10587,7 +10524,7 @@
           <a:lstStyle/>
           <a:p>
             <a:r>
-              <a:rPr lang="en-US" dirty="0" err="1" smtClean="0"/>
+              <a:rPr lang="en-US" dirty="0" err="1"/>
               <a:t>lINKS</a:t>
             </a:r>
             <a:endParaRPr lang="en-US" dirty="0"/>
@@ -10634,13 +10571,6 @@
   <p:clrMapOvr>
     <a:masterClrMapping/>
   </p:clrMapOvr>
-  <p:timing>
-    <p:tnLst>
-      <p:par>
-        <p:cTn id="1" dur="indefinite" restart="never" nodeType="tmRoot"/>
-      </p:par>
-    </p:tnLst>
-  </p:timing>
 </p:sld>
 </file>
 
@@ -10677,10 +10607,9 @@
           <a:lstStyle/>
           <a:p>
             <a:r>
-              <a:rPr lang="en-US" dirty="0" smtClean="0"/>
+              <a:rPr lang="en-US" dirty="0"/>
               <a:t>Tables</a:t>
             </a:r>
-            <a:endParaRPr lang="en-US" dirty="0"/>
           </a:p>
         </p:txBody>
       </p:sp>
@@ -10708,7 +10637,7 @@
               <a:buNone/>
             </a:pPr>
             <a:r>
-              <a:rPr lang="en-US" dirty="0" smtClean="0"/>
+              <a:rPr lang="en-US" dirty="0"/>
               <a:t>&lt;table&gt;</a:t>
             </a:r>
           </a:p>
@@ -10720,15 +10649,15 @@
               <a:buNone/>
             </a:pPr>
             <a:r>
-              <a:rPr lang="en-US" dirty="0" smtClean="0"/>
+              <a:rPr lang="en-US" dirty="0"/>
               <a:t>  &lt;</a:t>
             </a:r>
             <a:r>
-              <a:rPr lang="en-US" dirty="0" err="1" smtClean="0"/>
+              <a:rPr lang="en-US" dirty="0" err="1"/>
               <a:t>thead</a:t>
             </a:r>
             <a:r>
-              <a:rPr lang="en-US" dirty="0" smtClean="0"/>
+              <a:rPr lang="en-US" dirty="0"/>
               <a:t>&gt;</a:t>
             </a:r>
           </a:p>
@@ -10741,18 +10670,14 @@
             </a:pPr>
             <a:r>
               <a:rPr lang="en-US" dirty="0"/>
-              <a:t> </a:t>
-            </a:r>
-            <a:r>
-              <a:rPr lang="en-US" dirty="0" smtClean="0"/>
-              <a:t>   &lt;</a:t>
-            </a:r>
-            <a:r>
-              <a:rPr lang="en-US" dirty="0" err="1" smtClean="0"/>
+              <a:t>    &lt;</a:t>
+            </a:r>
+            <a:r>
+              <a:rPr lang="en-US" dirty="0" err="1"/>
               <a:t>tr</a:t>
             </a:r>
             <a:r>
-              <a:rPr lang="en-US" dirty="0" smtClean="0"/>
+              <a:rPr lang="en-US" dirty="0"/>
               <a:t>&gt;</a:t>
             </a:r>
           </a:p>
@@ -10765,26 +10690,22 @@
             </a:pPr>
             <a:r>
               <a:rPr lang="en-US" dirty="0"/>
-              <a:t> </a:t>
-            </a:r>
-            <a:r>
-              <a:rPr lang="en-US" dirty="0" smtClean="0"/>
-              <a:t>     &lt;</a:t>
-            </a:r>
-            <a:r>
-              <a:rPr lang="en-US" dirty="0" err="1" smtClean="0"/>
+              <a:t>      &lt;</a:t>
+            </a:r>
+            <a:r>
+              <a:rPr lang="en-US" dirty="0" err="1"/>
               <a:t>th</a:t>
             </a:r>
             <a:r>
-              <a:rPr lang="en-US" dirty="0" smtClean="0"/>
+              <a:rPr lang="en-US" dirty="0"/>
               <a:t>&gt;First Name&lt;/</a:t>
             </a:r>
             <a:r>
-              <a:rPr lang="en-US" dirty="0" err="1" smtClean="0"/>
+              <a:rPr lang="en-US" dirty="0" err="1"/>
               <a:t>th</a:t>
             </a:r>
             <a:r>
-              <a:rPr lang="en-US" dirty="0" smtClean="0"/>
+              <a:rPr lang="en-US" dirty="0"/>
               <a:t>&gt;</a:t>
             </a:r>
           </a:p>
@@ -10796,16 +10717,8 @@
               <a:buNone/>
             </a:pPr>
             <a:r>
-              <a:rPr lang="en-US" dirty="0" smtClean="0"/>
+              <a:rPr lang="en-US" dirty="0"/>
               <a:t>      &lt;</a:t>
-            </a:r>
-            <a:r>
-              <a:rPr lang="en-US" dirty="0" err="1" smtClean="0"/>
-              <a:t>th</a:t>
-            </a:r>
-            <a:r>
-              <a:rPr lang="en-US" dirty="0" smtClean="0"/>
-              <a:t>&gt;Last Name&lt;/</a:t>
             </a:r>
             <a:r>
               <a:rPr lang="en-US" dirty="0" err="1"/>
@@ -10813,9 +10726,16 @@
             </a:r>
             <a:r>
               <a:rPr lang="en-US" dirty="0"/>
+              <a:t>&gt;Last Name&lt;/</a:t>
+            </a:r>
+            <a:r>
+              <a:rPr lang="en-US" dirty="0" err="1"/>
+              <a:t>th</a:t>
+            </a:r>
+            <a:r>
+              <a:rPr lang="en-US" dirty="0"/>
               <a:t>&gt;</a:t>
             </a:r>
-            <a:endParaRPr lang="en-US" dirty="0" smtClean="0"/>
           </a:p>
           <a:p>
             <a:pPr marL="45720" indent="0">
@@ -10826,18 +10746,14 @@
             </a:pPr>
             <a:r>
               <a:rPr lang="en-US" dirty="0"/>
-              <a:t> </a:t>
-            </a:r>
-            <a:r>
-              <a:rPr lang="en-US" dirty="0" smtClean="0"/>
-              <a:t>   &lt;/</a:t>
-            </a:r>
-            <a:r>
-              <a:rPr lang="en-US" dirty="0" err="1" smtClean="0"/>
+              <a:t>    &lt;/</a:t>
+            </a:r>
+            <a:r>
+              <a:rPr lang="en-US" dirty="0" err="1"/>
               <a:t>tr</a:t>
             </a:r>
             <a:r>
-              <a:rPr lang="en-US" dirty="0" smtClean="0"/>
+              <a:rPr lang="en-US" dirty="0"/>
               <a:t>&gt;</a:t>
             </a:r>
           </a:p>
@@ -10850,18 +10766,14 @@
             </a:pPr>
             <a:r>
               <a:rPr lang="en-US" dirty="0"/>
-              <a:t> </a:t>
-            </a:r>
-            <a:r>
-              <a:rPr lang="en-US" dirty="0" smtClean="0"/>
-              <a:t> &lt;/</a:t>
-            </a:r>
-            <a:r>
-              <a:rPr lang="en-US" dirty="0" err="1" smtClean="0"/>
+              <a:t>  &lt;/</a:t>
+            </a:r>
+            <a:r>
+              <a:rPr lang="en-US" dirty="0" err="1"/>
               <a:t>thead</a:t>
             </a:r>
             <a:r>
-              <a:rPr lang="en-US" dirty="0" smtClean="0"/>
+              <a:rPr lang="en-US" dirty="0"/>
               <a:t>&gt;</a:t>
             </a:r>
           </a:p>
@@ -10874,18 +10786,14 @@
             </a:pPr>
             <a:r>
               <a:rPr lang="en-US" dirty="0"/>
-              <a:t> </a:t>
-            </a:r>
-            <a:r>
-              <a:rPr lang="en-US" dirty="0" smtClean="0"/>
-              <a:t> &lt;</a:t>
-            </a:r>
-            <a:r>
-              <a:rPr lang="en-US" dirty="0" err="1" smtClean="0"/>
+              <a:t>  &lt;</a:t>
+            </a:r>
+            <a:r>
+              <a:rPr lang="en-US" dirty="0" err="1"/>
               <a:t>tbody</a:t>
             </a:r>
             <a:r>
-              <a:rPr lang="en-US" dirty="0" smtClean="0"/>
+              <a:rPr lang="en-US" dirty="0"/>
               <a:t>&gt;</a:t>
             </a:r>
           </a:p>
@@ -10898,18 +10806,14 @@
             </a:pPr>
             <a:r>
               <a:rPr lang="en-US" dirty="0"/>
-              <a:t> </a:t>
-            </a:r>
-            <a:r>
-              <a:rPr lang="en-US" dirty="0" smtClean="0"/>
-              <a:t>    &lt;</a:t>
-            </a:r>
-            <a:r>
-              <a:rPr lang="en-US" dirty="0" err="1" smtClean="0"/>
+              <a:t>     &lt;</a:t>
+            </a:r>
+            <a:r>
+              <a:rPr lang="en-US" dirty="0" err="1"/>
               <a:t>tr</a:t>
             </a:r>
             <a:r>
-              <a:rPr lang="en-US" dirty="0" smtClean="0"/>
+              <a:rPr lang="en-US" dirty="0"/>
               <a:t>&gt;</a:t>
             </a:r>
           </a:p>
@@ -10922,11 +10826,7 @@
             </a:pPr>
             <a:r>
               <a:rPr lang="en-US" dirty="0"/>
-              <a:t> </a:t>
-            </a:r>
-            <a:r>
-              <a:rPr lang="en-US" dirty="0" smtClean="0"/>
-              <a:t>     &lt;td&gt;John&lt;/td&gt;</a:t>
+              <a:t>      &lt;td&gt;John&lt;/td&gt;</a:t>
             </a:r>
           </a:p>
           <a:p>
@@ -10938,25 +10838,16 @@
             </a:pPr>
             <a:r>
               <a:rPr lang="en-US" dirty="0"/>
-              <a:t> </a:t>
-            </a:r>
-            <a:r>
-              <a:rPr lang="en-US" dirty="0" smtClean="0"/>
-              <a:t>     &lt;td&gt;</a:t>
-            </a:r>
-            <a:r>
-              <a:rPr lang="en-US" dirty="0" err="1" smtClean="0"/>
+              <a:t>      &lt;td&gt;</a:t>
+            </a:r>
+            <a:r>
+              <a:rPr lang="en-US" dirty="0" err="1"/>
               <a:t>Smtih</a:t>
             </a:r>
             <a:r>
-              <a:rPr lang="en-US" dirty="0" smtClean="0"/>
-              <a:t>&lt;/td</a:t>
-            </a:r>
-            <a:r>
               <a:rPr lang="en-US" dirty="0"/>
-              <a:t>&gt;</a:t>
-            </a:r>
-            <a:endParaRPr lang="en-US" dirty="0" smtClean="0"/>
+              <a:t>&lt;/td&gt;</a:t>
+            </a:r>
           </a:p>
           <a:p>
             <a:pPr marL="45720" indent="0">
@@ -10966,15 +10857,15 @@
               <a:buNone/>
             </a:pPr>
             <a:r>
-              <a:rPr lang="en-US" dirty="0" smtClean="0"/>
+              <a:rPr lang="en-US" dirty="0"/>
               <a:t>     &lt;/</a:t>
             </a:r>
             <a:r>
-              <a:rPr lang="en-US" dirty="0" err="1" smtClean="0"/>
+              <a:rPr lang="en-US" dirty="0" err="1"/>
               <a:t>tr</a:t>
             </a:r>
             <a:r>
-              <a:rPr lang="en-US" dirty="0" smtClean="0"/>
+              <a:rPr lang="en-US" dirty="0"/>
               <a:t>&gt;</a:t>
             </a:r>
           </a:p>
@@ -10987,11 +10878,7 @@
             </a:pPr>
             <a:r>
               <a:rPr lang="en-US" dirty="0"/>
-              <a:t> </a:t>
-            </a:r>
-            <a:r>
-              <a:rPr lang="en-US" dirty="0" smtClean="0"/>
-              <a:t>    &lt;</a:t>
+              <a:t>     &lt;</a:t>
             </a:r>
             <a:r>
               <a:rPr lang="en-US" dirty="0" err="1"/>
@@ -11011,15 +10898,7 @@
             </a:pPr>
             <a:r>
               <a:rPr lang="en-US" dirty="0"/>
-              <a:t>      &lt;</a:t>
-            </a:r>
-            <a:r>
-              <a:rPr lang="en-US" dirty="0" smtClean="0"/>
-              <a:t>td&gt;Tom&lt;/td</a:t>
-            </a:r>
-            <a:r>
-              <a:rPr lang="en-US" dirty="0"/>
-              <a:t>&gt;</a:t>
+              <a:t>      &lt;td&gt;Tom&lt;/td&gt;</a:t>
             </a:r>
           </a:p>
           <a:p>
@@ -11031,15 +10910,7 @@
             </a:pPr>
             <a:r>
               <a:rPr lang="en-US" dirty="0"/>
-              <a:t>      &lt;</a:t>
-            </a:r>
-            <a:r>
-              <a:rPr lang="en-US" dirty="0" smtClean="0"/>
-              <a:t>td&gt;Jones&lt;/</a:t>
-            </a:r>
-            <a:r>
-              <a:rPr lang="en-US" dirty="0"/>
-              <a:t>td&gt;</a:t>
+              <a:t>      &lt;td&gt;Jones&lt;/td&gt;</a:t>
             </a:r>
           </a:p>
           <a:p>
@@ -11061,7 +10932,6 @@
               <a:rPr lang="en-US" dirty="0"/>
               <a:t>&gt;</a:t>
             </a:r>
-            <a:endParaRPr lang="en-US" dirty="0" smtClean="0"/>
           </a:p>
           <a:p>
             <a:pPr marL="45720" indent="0">
@@ -11072,18 +10942,14 @@
             </a:pPr>
             <a:r>
               <a:rPr lang="en-US" dirty="0"/>
-              <a:t> </a:t>
-            </a:r>
-            <a:r>
-              <a:rPr lang="en-US" dirty="0" smtClean="0"/>
-              <a:t> &lt;/</a:t>
-            </a:r>
-            <a:r>
-              <a:rPr lang="en-US" dirty="0" err="1" smtClean="0"/>
+              <a:t>  &lt;/</a:t>
+            </a:r>
+            <a:r>
+              <a:rPr lang="en-US" dirty="0" err="1"/>
               <a:t>tbody</a:t>
             </a:r>
             <a:r>
-              <a:rPr lang="en-US" dirty="0" smtClean="0"/>
+              <a:rPr lang="en-US" dirty="0"/>
               <a:t>&gt;  </a:t>
             </a:r>
           </a:p>
@@ -11095,10 +10961,9 @@
               <a:buNone/>
             </a:pPr>
             <a:r>
-              <a:rPr lang="en-US" dirty="0" smtClean="0"/>
+              <a:rPr lang="en-US" dirty="0"/>
               <a:t>&lt;/table&gt;</a:t>
             </a:r>
-            <a:endParaRPr lang="en-US" dirty="0"/>
           </a:p>
         </p:txBody>
       </p:sp>
@@ -11177,10 +11042,9 @@
           <a:lstStyle/>
           <a:p>
             <a:r>
-              <a:rPr lang="en-US" dirty="0" smtClean="0"/>
+              <a:rPr lang="en-US" dirty="0"/>
               <a:t>EXAMPLE</a:t>
             </a:r>
-            <a:endParaRPr lang="en-US" dirty="0"/>
           </a:p>
         </p:txBody>
       </p:sp>
@@ -11200,7 +11064,7 @@
           <a:lstStyle/>
           <a:p>
             <a:r>
-              <a:rPr lang="en-US" dirty="0" err="1" smtClean="0"/>
+              <a:rPr lang="en-US" dirty="0" err="1"/>
               <a:t>tABLES</a:t>
             </a:r>
             <a:endParaRPr lang="en-US" dirty="0"/>
@@ -11247,13 +11111,6 @@
   <p:clrMapOvr>
     <a:masterClrMapping/>
   </p:clrMapOvr>
-  <p:timing>
-    <p:tnLst>
-      <p:par>
-        <p:cTn id="1" dur="indefinite" restart="never" nodeType="tmRoot"/>
-      </p:par>
-    </p:tnLst>
-  </p:timing>
 </p:sld>
 </file>
 
@@ -11290,10 +11147,9 @@
           <a:lstStyle/>
           <a:p>
             <a:r>
-              <a:rPr lang="en-US" dirty="0" smtClean="0"/>
+              <a:rPr lang="en-US" dirty="0"/>
               <a:t>Form Elements</a:t>
             </a:r>
-            <a:endParaRPr lang="en-US" dirty="0"/>
           </a:p>
         </p:txBody>
       </p:sp>
@@ -11315,67 +11171,67 @@
           <a:lstStyle/>
           <a:p>
             <a:r>
-              <a:rPr lang="en-US" sz="2400" dirty="0" smtClean="0"/>
+              <a:rPr lang="en-US" sz="2400" dirty="0"/>
               <a:t>form</a:t>
             </a:r>
           </a:p>
           <a:p>
             <a:pPr lvl="1"/>
             <a:r>
-              <a:rPr lang="en-US" sz="2400" dirty="0" smtClean="0"/>
+              <a:rPr lang="en-US" sz="2400" dirty="0"/>
               <a:t>Attributes:  action, method, autocomplete, name, </a:t>
             </a:r>
             <a:r>
-              <a:rPr lang="en-US" sz="2400" dirty="0" err="1" smtClean="0"/>
+              <a:rPr lang="en-US" sz="2400" dirty="0" err="1"/>
               <a:t>novalidate</a:t>
             </a:r>
             <a:r>
-              <a:rPr lang="en-US" sz="2400" dirty="0" smtClean="0"/>
+              <a:rPr lang="en-US" sz="2400" dirty="0"/>
               <a:t>, target, accept-charset</a:t>
             </a:r>
           </a:p>
           <a:p>
             <a:pPr lvl="1"/>
             <a:r>
-              <a:rPr lang="en-US" sz="2400" dirty="0" smtClean="0"/>
+              <a:rPr lang="en-US" sz="2400" dirty="0"/>
               <a:t>Methods:  get, post</a:t>
             </a:r>
           </a:p>
           <a:p>
             <a:r>
-              <a:rPr lang="en-US" sz="2400" dirty="0" smtClean="0"/>
+              <a:rPr lang="en-US" sz="2400" dirty="0"/>
               <a:t>Input</a:t>
             </a:r>
           </a:p>
           <a:p>
             <a:pPr lvl="1"/>
             <a:r>
-              <a:rPr lang="en-US" sz="2400" dirty="0" smtClean="0"/>
+              <a:rPr lang="en-US" sz="2400" dirty="0"/>
               <a:t>Attributes:  type, name, value</a:t>
             </a:r>
           </a:p>
           <a:p>
             <a:pPr lvl="1"/>
             <a:r>
-              <a:rPr lang="en-US" sz="2400" dirty="0" smtClean="0"/>
+              <a:rPr lang="en-US" sz="2400" dirty="0"/>
               <a:t>Types:  text, radio, checkbox, submit, select</a:t>
             </a:r>
           </a:p>
           <a:p>
             <a:r>
-              <a:rPr lang="en-US" sz="2400" dirty="0" err="1" smtClean="0"/>
+              <a:rPr lang="en-US" sz="2400" dirty="0" err="1"/>
               <a:t>fieldset</a:t>
             </a:r>
-            <a:endParaRPr lang="en-US" sz="2400" dirty="0" smtClean="0"/>
-          </a:p>
-          <a:p>
-            <a:r>
-              <a:rPr lang="en-US" sz="2400" dirty="0" smtClean="0"/>
+            <a:endParaRPr lang="en-US" sz="2400" dirty="0"/>
+          </a:p>
+          <a:p>
+            <a:r>
+              <a:rPr lang="en-US" sz="2400" dirty="0"/>
               <a:t>legend</a:t>
             </a:r>
           </a:p>
           <a:p>
-            <a:endParaRPr lang="en-US" dirty="0" smtClean="0"/>
+            <a:endParaRPr lang="en-US" dirty="0"/>
           </a:p>
           <a:p>
             <a:endParaRPr lang="en-US" dirty="0"/>
@@ -11428,10 +11284,9 @@
           <a:lstStyle/>
           <a:p>
             <a:r>
-              <a:rPr lang="en-US" dirty="0" smtClean="0"/>
+              <a:rPr lang="en-US" dirty="0"/>
               <a:t>Elements</a:t>
             </a:r>
-            <a:endParaRPr lang="en-US" dirty="0"/>
           </a:p>
         </p:txBody>
       </p:sp>
@@ -11453,37 +11308,37 @@
           <a:lstStyle/>
           <a:p>
             <a:r>
-              <a:rPr lang="en-US" sz="2000" dirty="0" smtClean="0"/>
+              <a:rPr lang="en-US" sz="2000" dirty="0"/>
               <a:t>Elements are the objects in a page</a:t>
             </a:r>
           </a:p>
           <a:p>
             <a:r>
-              <a:rPr lang="en-US" sz="2000" dirty="0" smtClean="0"/>
+              <a:rPr lang="en-US" sz="2000" dirty="0"/>
               <a:t>Have a start and an end tag</a:t>
             </a:r>
           </a:p>
           <a:p>
             <a:r>
-              <a:rPr lang="en-US" sz="2000" dirty="0" smtClean="0"/>
+              <a:rPr lang="en-US" sz="2000" dirty="0"/>
               <a:t>Can be nested if the definition allows it</a:t>
             </a:r>
           </a:p>
           <a:p>
             <a:r>
-              <a:rPr lang="en-US" sz="2000" dirty="0" smtClean="0"/>
+              <a:rPr lang="en-US" sz="2000" dirty="0"/>
               <a:t>Can have a value between the tags</a:t>
             </a:r>
           </a:p>
           <a:p>
             <a:r>
-              <a:rPr lang="en-US" sz="2000" dirty="0" smtClean="0"/>
+              <a:rPr lang="en-US" sz="2000" dirty="0"/>
               <a:t>Empty elements do can have / instead of ending tag</a:t>
             </a:r>
           </a:p>
           <a:p>
             <a:r>
-              <a:rPr lang="en-US" sz="2000" dirty="0" smtClean="0"/>
+              <a:rPr lang="en-US" sz="2000" dirty="0"/>
               <a:t>Use lowercase even though not case sensitive</a:t>
             </a:r>
           </a:p>
@@ -11652,10 +11507,9 @@
           <a:lstStyle/>
           <a:p>
             <a:r>
-              <a:rPr lang="en-US" dirty="0" smtClean="0"/>
+              <a:rPr lang="en-US" dirty="0"/>
               <a:t>Forms</a:t>
             </a:r>
-            <a:endParaRPr lang="en-US" dirty="0"/>
           </a:p>
         </p:txBody>
       </p:sp>
@@ -11683,7 +11537,7 @@
               <a:buNone/>
             </a:pPr>
             <a:r>
-              <a:rPr lang="en-US" sz="2400" dirty="0" smtClean="0"/>
+              <a:rPr lang="en-US" sz="2400" dirty="0"/>
               <a:t>Example:</a:t>
             </a:r>
           </a:p>
@@ -11695,7 +11549,7 @@
               <a:buNone/>
             </a:pPr>
             <a:r>
-              <a:rPr lang="en-US" sz="2400" dirty="0" smtClean="0"/>
+              <a:rPr lang="en-US" sz="2400" dirty="0"/>
               <a:t>&lt;form action=“/formAction.html” method=“post”&gt;</a:t>
             </a:r>
           </a:p>
@@ -11708,18 +11562,14 @@
             </a:pPr>
             <a:r>
               <a:rPr lang="en-US" sz="2400" dirty="0"/>
-              <a:t> </a:t>
-            </a:r>
-            <a:r>
-              <a:rPr lang="en-US" sz="2400" dirty="0" smtClean="0"/>
-              <a:t> First Name:&lt;</a:t>
-            </a:r>
-            <a:r>
-              <a:rPr lang="en-US" sz="2400" dirty="0" err="1" smtClean="0"/>
+              <a:t>  First Name:&lt;</a:t>
+            </a:r>
+            <a:r>
+              <a:rPr lang="en-US" sz="2400" dirty="0" err="1"/>
               <a:t>br</a:t>
             </a:r>
             <a:r>
-              <a:rPr lang="en-US" sz="2400" dirty="0" smtClean="0"/>
+              <a:rPr lang="en-US" sz="2400" dirty="0"/>
               <a:t> /&gt;</a:t>
             </a:r>
           </a:p>
@@ -11732,18 +11582,14 @@
             </a:pPr>
             <a:r>
               <a:rPr lang="en-US" sz="2400" dirty="0"/>
-              <a:t> </a:t>
-            </a:r>
-            <a:r>
-              <a:rPr lang="en-US" sz="2400" dirty="0" smtClean="0"/>
-              <a:t> &lt;input type=“text” name=“</a:t>
-            </a:r>
-            <a:r>
-              <a:rPr lang="en-US" sz="2400" dirty="0" err="1" smtClean="0"/>
+              <a:t>  &lt;input type=“text” name=“</a:t>
+            </a:r>
+            <a:r>
+              <a:rPr lang="en-US" sz="2400" dirty="0" err="1"/>
               <a:t>firstName</a:t>
             </a:r>
             <a:r>
-              <a:rPr lang="en-US" sz="2400" dirty="0" smtClean="0"/>
+              <a:rPr lang="en-US" sz="2400" dirty="0"/>
               <a:t>” value=“First” /&gt;</a:t>
             </a:r>
           </a:p>
@@ -11756,18 +11602,14 @@
             </a:pPr>
             <a:r>
               <a:rPr lang="en-US" sz="2400" dirty="0"/>
-              <a:t> </a:t>
-            </a:r>
-            <a:r>
-              <a:rPr lang="en-US" sz="2400" dirty="0" smtClean="0"/>
-              <a:t> Last Name:&lt;</a:t>
-            </a:r>
-            <a:r>
-              <a:rPr lang="en-US" sz="2400" dirty="0" err="1" smtClean="0"/>
+              <a:t>  Last Name:&lt;</a:t>
+            </a:r>
+            <a:r>
+              <a:rPr lang="en-US" sz="2400" dirty="0" err="1"/>
               <a:t>br</a:t>
             </a:r>
             <a:r>
-              <a:rPr lang="en-US" sz="2400" dirty="0" smtClean="0"/>
+              <a:rPr lang="en-US" sz="2400" dirty="0"/>
               <a:t> /&gt;</a:t>
             </a:r>
           </a:p>
@@ -11779,28 +11621,16 @@
               <a:buNone/>
             </a:pPr>
             <a:r>
-              <a:rPr lang="en-US" sz="2400" dirty="0" smtClean="0"/>
-              <a:t>  &lt;</a:t>
-            </a:r>
-            <a:r>
               <a:rPr lang="en-US" sz="2400" dirty="0"/>
-              <a:t>input type=“text” name</a:t>
-            </a:r>
-            <a:r>
-              <a:rPr lang="en-US" sz="2400" dirty="0" smtClean="0"/>
-              <a:t>=“</a:t>
-            </a:r>
-            <a:r>
-              <a:rPr lang="en-US" sz="2400" dirty="0" err="1" smtClean="0"/>
+              <a:t>  &lt;input type=“text” name=“</a:t>
+            </a:r>
+            <a:r>
+              <a:rPr lang="en-US" sz="2400" dirty="0" err="1"/>
               <a:t>lastName</a:t>
             </a:r>
             <a:r>
               <a:rPr lang="en-US" sz="2400" dirty="0"/>
-              <a:t>” value</a:t>
-            </a:r>
-            <a:r>
-              <a:rPr lang="en-US" sz="2400" dirty="0" smtClean="0"/>
-              <a:t>=“Last” /&gt;</a:t>
+              <a:t>” value=“Last” /&gt;</a:t>
             </a:r>
           </a:p>
           <a:p>
@@ -11812,26 +11642,22 @@
             </a:pPr>
             <a:r>
               <a:rPr lang="en-US" sz="2400" dirty="0"/>
-              <a:t> </a:t>
-            </a:r>
-            <a:r>
-              <a:rPr lang="en-US" sz="2400" dirty="0" smtClean="0"/>
-              <a:t> &lt;input type=“checkbox” name=“</a:t>
-            </a:r>
-            <a:r>
-              <a:rPr lang="en-US" sz="2400" dirty="0" err="1" smtClean="0"/>
+              <a:t>  &lt;input type=“checkbox” name=“</a:t>
+            </a:r>
+            <a:r>
+              <a:rPr lang="en-US" sz="2400" dirty="0" err="1"/>
               <a:t>signUp</a:t>
             </a:r>
             <a:r>
-              <a:rPr lang="en-US" sz="2400" dirty="0" smtClean="0"/>
+              <a:rPr lang="en-US" sz="2400" dirty="0"/>
               <a:t>” value=“</a:t>
             </a:r>
             <a:r>
-              <a:rPr lang="en-US" sz="2400" dirty="0" err="1" smtClean="0"/>
+              <a:rPr lang="en-US" sz="2400" dirty="0" err="1"/>
               <a:t>SignedUp</a:t>
             </a:r>
             <a:r>
-              <a:rPr lang="en-US" sz="2400" dirty="0" smtClean="0"/>
+              <a:rPr lang="en-US" sz="2400" dirty="0"/>
               <a:t>” /&gt;</a:t>
             </a:r>
           </a:p>
@@ -11844,18 +11670,14 @@
             </a:pPr>
             <a:r>
               <a:rPr lang="en-US" sz="2400" dirty="0"/>
-              <a:t> </a:t>
-            </a:r>
-            <a:r>
-              <a:rPr lang="en-US" sz="2400" dirty="0" smtClean="0"/>
-              <a:t> Sign Up?&lt;</a:t>
-            </a:r>
-            <a:r>
-              <a:rPr lang="en-US" sz="2400" dirty="0" err="1" smtClean="0"/>
+              <a:t>  Sign Up?&lt;</a:t>
+            </a:r>
+            <a:r>
+              <a:rPr lang="en-US" sz="2400" dirty="0" err="1"/>
               <a:t>br</a:t>
             </a:r>
             <a:r>
-              <a:rPr lang="en-US" sz="2400" dirty="0" smtClean="0"/>
+              <a:rPr lang="en-US" sz="2400" dirty="0"/>
               <a:t> /&gt;</a:t>
             </a:r>
           </a:p>
@@ -11868,11 +11690,7 @@
             </a:pPr>
             <a:r>
               <a:rPr lang="en-US" sz="2400" dirty="0"/>
-              <a:t> </a:t>
-            </a:r>
-            <a:r>
-              <a:rPr lang="en-US" sz="2400" dirty="0" smtClean="0"/>
-              <a:t> &lt;input type=“submit” value=“Submit” /&gt;</a:t>
+              <a:t>  &lt;input type=“submit” value=“Submit” /&gt;</a:t>
             </a:r>
           </a:p>
           <a:p>
@@ -11883,10 +11701,9 @@
               <a:buNone/>
             </a:pPr>
             <a:r>
-              <a:rPr lang="en-US" sz="2400" dirty="0" smtClean="0"/>
+              <a:rPr lang="en-US" sz="2400" dirty="0"/>
               <a:t>&lt;/form&gt;</a:t>
             </a:r>
-            <a:endParaRPr lang="en-US" sz="2400" dirty="0"/>
           </a:p>
         </p:txBody>
       </p:sp>
@@ -11936,10 +11753,9 @@
           <a:lstStyle/>
           <a:p>
             <a:r>
-              <a:rPr lang="en-US" dirty="0" smtClean="0"/>
+              <a:rPr lang="en-US" dirty="0"/>
               <a:t>EXAMPLE</a:t>
             </a:r>
-            <a:endParaRPr lang="en-US" dirty="0"/>
           </a:p>
         </p:txBody>
       </p:sp>
@@ -11959,7 +11775,7 @@
           <a:lstStyle/>
           <a:p>
             <a:r>
-              <a:rPr lang="en-US" dirty="0" err="1" smtClean="0"/>
+              <a:rPr lang="en-US" dirty="0" err="1"/>
               <a:t>fORMS</a:t>
             </a:r>
             <a:endParaRPr lang="en-US" dirty="0"/>
@@ -12006,13 +11822,6 @@
   <p:clrMapOvr>
     <a:masterClrMapping/>
   </p:clrMapOvr>
-  <p:timing>
-    <p:tnLst>
-      <p:par>
-        <p:cTn id="1" dur="indefinite" restart="never" nodeType="tmRoot"/>
-      </p:par>
-    </p:tnLst>
-  </p:timing>
 </p:sld>
 </file>
 
@@ -12049,10 +11858,9 @@
           <a:lstStyle/>
           <a:p>
             <a:r>
-              <a:rPr lang="en-US" dirty="0" smtClean="0"/>
+              <a:rPr lang="en-US" dirty="0"/>
               <a:t>ASSESSMENT</a:t>
             </a:r>
-            <a:endParaRPr lang="en-US" dirty="0"/>
           </a:p>
         </p:txBody>
       </p:sp>
@@ -12072,10 +11880,9 @@
           <a:lstStyle/>
           <a:p>
             <a:r>
-              <a:rPr lang="en-US" dirty="0" smtClean="0"/>
+              <a:rPr lang="en-US" dirty="0"/>
               <a:t>Links, Tables, and forms</a:t>
             </a:r>
-            <a:endParaRPr lang="en-US" dirty="0"/>
           </a:p>
         </p:txBody>
       </p:sp>
@@ -12119,13 +11926,6 @@
   <p:clrMapOvr>
     <a:masterClrMapping/>
   </p:clrMapOvr>
-  <p:timing>
-    <p:tnLst>
-      <p:par>
-        <p:cTn id="1" dur="indefinite" restart="never" nodeType="tmRoot"/>
-      </p:par>
-    </p:tnLst>
-  </p:timing>
 </p:sld>
 </file>
 
@@ -12162,10 +11962,9 @@
           <a:lstStyle/>
           <a:p>
             <a:r>
-              <a:rPr lang="en-US" dirty="0" smtClean="0"/>
+              <a:rPr lang="en-US" dirty="0"/>
               <a:t>Assignment</a:t>
             </a:r>
-            <a:endParaRPr lang="en-US" dirty="0"/>
           </a:p>
         </p:txBody>
       </p:sp>
@@ -12192,37 +11991,28 @@
           <a:lstStyle/>
           <a:p>
             <a:r>
-              <a:rPr lang="en-US" sz="3200" dirty="0" smtClean="0"/>
+              <a:rPr lang="en-US" sz="3200" dirty="0"/>
               <a:t>Write an interface for our status report.</a:t>
             </a:r>
-            <a:endParaRPr lang="en-US" sz="3200" dirty="0"/>
           </a:p>
           <a:p>
             <a:pPr lvl="0"/>
             <a:r>
-              <a:rPr lang="en-US" sz="3200" dirty="0" smtClean="0"/>
-              <a:t>Under the paragraph add a table with a header that has </a:t>
-            </a:r>
-            <a:r>
               <a:rPr lang="en-US" sz="3200" dirty="0"/>
-              <a:t>4</a:t>
-            </a:r>
-            <a:r>
-              <a:rPr lang="en-US" sz="3200" dirty="0" smtClean="0"/>
-              <a:t> columns: First Name, Last Name, Status Id, and Status.  Fill in some rows with data.</a:t>
+              <a:t>Under the paragraph add a table with a header that has 4 columns: First Name, Last Name, Status Id, and Status.  Fill in some rows with data.</a:t>
             </a:r>
           </a:p>
           <a:p>
             <a:pPr lvl="0"/>
             <a:r>
-              <a:rPr lang="en-US" sz="3200" dirty="0" smtClean="0"/>
+              <a:rPr lang="en-US" sz="3200" dirty="0"/>
               <a:t>Create a new page with form fields First Name (text), Last Name (text), and Status (drop down).</a:t>
             </a:r>
           </a:p>
           <a:p>
             <a:pPr lvl="0"/>
             <a:r>
-              <a:rPr lang="en-US" sz="3200" dirty="0" smtClean="0"/>
+              <a:rPr lang="en-US" sz="3200" dirty="0"/>
               <a:t>Under the table add a link to open the new page with text, “Add”.</a:t>
             </a:r>
           </a:p>
@@ -12307,10 +12097,9 @@
           <a:lstStyle/>
           <a:p>
             <a:r>
-              <a:rPr lang="en-US" dirty="0" smtClean="0"/>
+              <a:rPr lang="en-US" dirty="0"/>
               <a:t>QUICK REVIEW</a:t>
             </a:r>
-            <a:endParaRPr lang="en-US" dirty="0"/>
           </a:p>
         </p:txBody>
       </p:sp>
@@ -12330,10 +12119,9 @@
           <a:lstStyle/>
           <a:p>
             <a:r>
-              <a:rPr lang="en-US" dirty="0" smtClean="0"/>
+              <a:rPr lang="en-US" dirty="0"/>
               <a:t>HTML</a:t>
             </a:r>
-            <a:endParaRPr lang="en-US" dirty="0"/>
           </a:p>
         </p:txBody>
       </p:sp>
@@ -12377,13 +12165,6 @@
   <p:clrMapOvr>
     <a:masterClrMapping/>
   </p:clrMapOvr>
-  <p:timing>
-    <p:tnLst>
-      <p:par>
-        <p:cTn id="1" dur="indefinite" restart="never" nodeType="tmRoot"/>
-      </p:par>
-    </p:tnLst>
-  </p:timing>
 </p:sld>
 </file>
 
@@ -12420,10 +12201,9 @@
           <a:lstStyle/>
           <a:p>
             <a:r>
-              <a:rPr lang="en-US" dirty="0" smtClean="0"/>
+              <a:rPr lang="en-US" dirty="0"/>
               <a:t>Additional Resources</a:t>
             </a:r>
-            <a:endParaRPr lang="en-US" dirty="0"/>
           </a:p>
         </p:txBody>
       </p:sp>
@@ -12451,7 +12231,7 @@
           <a:p>
             <a:pPr lvl="0"/>
             <a:r>
-              <a:rPr lang="en-US" sz="2800" dirty="0" smtClean="0"/>
+              <a:rPr lang="en-US" sz="2800" dirty="0"/>
               <a:t>MDN Tutorial</a:t>
             </a:r>
           </a:p>
@@ -12461,15 +12241,9 @@
               <a:rPr lang="en-US" sz="2600" dirty="0">
                 <a:hlinkClick r:id="rId3"/>
               </a:rPr>
-              <a:t>https://</a:t>
-            </a:r>
-            <a:r>
-              <a:rPr lang="en-US" sz="2600" dirty="0" smtClean="0">
-                <a:hlinkClick r:id="rId3"/>
-              </a:rPr>
-              <a:t>developer.mozilla.org/en-US/docs/Learn/HTML</a:t>
-            </a:r>
-            <a:endParaRPr lang="en-US" sz="2600" dirty="0" smtClean="0"/>
+              <a:t>https://developer.mozilla.org/en-US/docs/Learn/HTML</a:t>
+            </a:r>
+            <a:endParaRPr lang="en-US" sz="2600" dirty="0"/>
           </a:p>
           <a:p>
             <a:pPr lvl="0"/>
@@ -12506,7 +12280,7 @@
             <a:endParaRPr lang="en-US" sz="2600" dirty="0"/>
           </a:p>
           <a:p>
-            <a:endParaRPr lang="en-US" sz="2800" dirty="0" smtClean="0"/>
+            <a:endParaRPr lang="en-US" sz="2800" dirty="0"/>
           </a:p>
         </p:txBody>
       </p:sp>
@@ -12556,10 +12330,9 @@
           <a:lstStyle/>
           <a:p>
             <a:r>
-              <a:rPr lang="en-US" dirty="0" smtClean="0"/>
+              <a:rPr lang="en-US" dirty="0"/>
               <a:t>Attributes</a:t>
             </a:r>
-            <a:endParaRPr lang="en-US" dirty="0"/>
           </a:p>
         </p:txBody>
       </p:sp>
@@ -12581,23 +12354,23 @@
           <a:lstStyle/>
           <a:p>
             <a:r>
-              <a:rPr lang="en-US" sz="2400" dirty="0" smtClean="0"/>
+              <a:rPr lang="en-US" sz="2400" dirty="0"/>
               <a:t>Attributes are properties associated with an element</a:t>
             </a:r>
           </a:p>
           <a:p>
             <a:r>
-              <a:rPr lang="en-US" sz="2400" dirty="0" smtClean="0"/>
+              <a:rPr lang="en-US" sz="2400" dirty="0"/>
               <a:t>Located in the start tag</a:t>
             </a:r>
           </a:p>
           <a:p>
             <a:r>
-              <a:rPr lang="en-US" sz="2400" dirty="0" smtClean="0"/>
+              <a:rPr lang="en-US" sz="2400" dirty="0"/>
               <a:t>Have the syntax </a:t>
             </a:r>
             <a:r>
-              <a:rPr lang="en-US" sz="2400" b="1" dirty="0" smtClean="0"/>
+              <a:rPr lang="en-US" sz="2400" b="1" dirty="0"/>
               <a:t>name=“value”</a:t>
             </a:r>
           </a:p>
@@ -12605,7 +12378,7 @@
             <a:pPr marL="45720" indent="0">
               <a:buNone/>
             </a:pPr>
-            <a:endParaRPr lang="en-US" b="1" dirty="0" smtClean="0"/>
+            <a:endParaRPr lang="en-US" b="1" dirty="0"/>
           </a:p>
         </p:txBody>
       </p:sp>
@@ -12722,10 +12495,9 @@
           <a:lstStyle/>
           <a:p>
             <a:r>
-              <a:rPr lang="en-US" dirty="0" smtClean="0"/>
+              <a:rPr lang="en-US" dirty="0"/>
               <a:t>Comments</a:t>
             </a:r>
-            <a:endParaRPr lang="en-US" dirty="0"/>
           </a:p>
         </p:txBody>
       </p:sp>
@@ -12747,7 +12519,7 @@
           <a:lstStyle/>
           <a:p>
             <a:r>
-              <a:rPr lang="en-US" sz="2800" dirty="0" smtClean="0"/>
+              <a:rPr lang="en-US" sz="2800" dirty="0"/>
               <a:t>Syntax:  &lt;!--  …  --&gt;</a:t>
             </a:r>
           </a:p>
@@ -12765,7 +12537,7 @@
               <a:buNone/>
             </a:pPr>
             <a:r>
-              <a:rPr lang="en-US" sz="2800" dirty="0" smtClean="0"/>
+              <a:rPr lang="en-US" sz="2800" dirty="0"/>
               <a:t>Example:</a:t>
             </a:r>
           </a:p>
@@ -12777,7 +12549,7 @@
               <a:buNone/>
             </a:pPr>
             <a:r>
-              <a:rPr lang="en-US" sz="2800" dirty="0" smtClean="0"/>
+              <a:rPr lang="en-US" sz="2800" dirty="0"/>
               <a:t>&lt;!– Comments here, everything commented until end comment</a:t>
             </a:r>
           </a:p>
@@ -12789,7 +12561,7 @@
               <a:buNone/>
             </a:pPr>
             <a:r>
-              <a:rPr lang="en-US" sz="2800" dirty="0" smtClean="0"/>
+              <a:rPr lang="en-US" sz="2800" dirty="0"/>
               <a:t>&lt;p&gt;</a:t>
             </a:r>
           </a:p>
@@ -12802,11 +12574,7 @@
             </a:pPr>
             <a:r>
               <a:rPr lang="en-US" sz="2800" dirty="0"/>
-              <a:t> </a:t>
-            </a:r>
-            <a:r>
-              <a:rPr lang="en-US" sz="2800" dirty="0" smtClean="0"/>
-              <a:t> Some text that won’t show up</a:t>
+              <a:t>  Some text that won’t show up</a:t>
             </a:r>
           </a:p>
           <a:p>
@@ -12817,7 +12585,7 @@
               <a:buNone/>
             </a:pPr>
             <a:r>
-              <a:rPr lang="en-US" sz="2800" dirty="0" smtClean="0"/>
+              <a:rPr lang="en-US" sz="2800" dirty="0"/>
               <a:t>&lt;/p&gt;</a:t>
             </a:r>
           </a:p>
@@ -12829,10 +12597,9 @@
               <a:buNone/>
             </a:pPr>
             <a:r>
-              <a:rPr lang="en-US" sz="2800" dirty="0" smtClean="0"/>
+              <a:rPr lang="en-US" sz="2800" dirty="0"/>
               <a:t>--&gt;</a:t>
             </a:r>
-            <a:endParaRPr lang="en-US" sz="2800" dirty="0"/>
           </a:p>
         </p:txBody>
       </p:sp>
@@ -12882,7 +12649,7 @@
           <a:lstStyle/>
           <a:p>
             <a:r>
-              <a:rPr lang="en-US" dirty="0" err="1" smtClean="0"/>
+              <a:rPr lang="en-US" dirty="0" err="1"/>
               <a:t>DocType</a:t>
             </a:r>
             <a:endParaRPr lang="en-US" dirty="0"/>
@@ -12907,51 +12674,51 @@
           <a:lstStyle/>
           <a:p>
             <a:r>
-              <a:rPr lang="en-US" sz="2400" dirty="0" smtClean="0"/>
+              <a:rPr lang="en-US" sz="2400" dirty="0"/>
               <a:t>First in the HMTL file</a:t>
             </a:r>
           </a:p>
           <a:p>
             <a:r>
-              <a:rPr lang="en-US" sz="2400" dirty="0" smtClean="0"/>
+              <a:rPr lang="en-US" sz="2400" dirty="0"/>
               <a:t>Instructs the browser the version of HTML that is used</a:t>
             </a:r>
           </a:p>
           <a:p>
             <a:r>
-              <a:rPr lang="en-US" sz="2400" dirty="0" smtClean="0"/>
+              <a:rPr lang="en-US" sz="2400" dirty="0"/>
               <a:t>Types:</a:t>
             </a:r>
           </a:p>
           <a:p>
             <a:pPr lvl="1"/>
             <a:r>
-              <a:rPr lang="en-US" sz="2400" dirty="0" smtClean="0"/>
+              <a:rPr lang="en-US" sz="2400" dirty="0"/>
               <a:t>HTML 5</a:t>
             </a:r>
           </a:p>
           <a:p>
             <a:pPr lvl="1"/>
             <a:r>
-              <a:rPr lang="en-US" sz="2400" dirty="0" smtClean="0"/>
+              <a:rPr lang="en-US" sz="2400" dirty="0"/>
               <a:t>HTML 4.01 Transitional</a:t>
             </a:r>
           </a:p>
           <a:p>
             <a:pPr lvl="1"/>
             <a:r>
-              <a:rPr lang="en-US" sz="2400" dirty="0" smtClean="0"/>
+              <a:rPr lang="en-US" sz="2400" dirty="0"/>
               <a:t>HTML 4.01 Frameset</a:t>
             </a:r>
           </a:p>
           <a:p>
             <a:pPr lvl="1"/>
             <a:r>
-              <a:rPr lang="en-US" sz="2400" dirty="0" err="1" smtClean="0"/>
+              <a:rPr lang="en-US" sz="2400" dirty="0" err="1"/>
               <a:t>Etc</a:t>
             </a:r>
             <a:r>
-              <a:rPr lang="en-US" sz="2400" dirty="0" smtClean="0"/>
+              <a:rPr lang="en-US" sz="2400" dirty="0"/>
               <a:t>…</a:t>
             </a:r>
           </a:p>
@@ -12964,15 +12731,9 @@
               <a:rPr lang="en-US" sz="2400" dirty="0">
                 <a:hlinkClick r:id="rId3"/>
               </a:rPr>
-              <a:t>http://html.com/tags/doctype</a:t>
-            </a:r>
-            <a:r>
-              <a:rPr lang="en-US" sz="2400" dirty="0" smtClean="0">
-                <a:hlinkClick r:id="rId3"/>
-              </a:rPr>
-              <a:t>/</a:t>
-            </a:r>
-            <a:endParaRPr lang="en-US" sz="2400" dirty="0" smtClean="0"/>
+              <a:t>http://html.com/tags/doctype/</a:t>
+            </a:r>
+            <a:endParaRPr lang="en-US" sz="2400" dirty="0"/>
           </a:p>
           <a:p>
             <a:endParaRPr lang="en-US" dirty="0"/>
@@ -13025,10 +12786,9 @@
           <a:lstStyle/>
           <a:p>
             <a:r>
-              <a:rPr lang="en-US" dirty="0" smtClean="0"/>
+              <a:rPr lang="en-US" dirty="0"/>
               <a:t>Basic Structure</a:t>
             </a:r>
-            <a:endParaRPr lang="en-US" dirty="0"/>
           </a:p>
         </p:txBody>
       </p:sp>
@@ -13050,26 +12810,26 @@
           <a:lstStyle/>
           <a:p>
             <a:r>
-              <a:rPr lang="en-US" sz="2800" dirty="0" err="1" smtClean="0"/>
+              <a:rPr lang="en-US" sz="2800" dirty="0" err="1"/>
               <a:t>DocType</a:t>
             </a:r>
-            <a:endParaRPr lang="en-US" sz="2800" dirty="0" smtClean="0"/>
-          </a:p>
-          <a:p>
-            <a:r>
-              <a:rPr lang="en-US" sz="2800" dirty="0" smtClean="0"/>
+            <a:endParaRPr lang="en-US" sz="2800" dirty="0"/>
+          </a:p>
+          <a:p>
+            <a:r>
+              <a:rPr lang="en-US" sz="2800" dirty="0"/>
               <a:t>Html</a:t>
             </a:r>
           </a:p>
           <a:p>
             <a:r>
-              <a:rPr lang="en-US" sz="2800" dirty="0" smtClean="0"/>
+              <a:rPr lang="en-US" sz="2800" dirty="0"/>
               <a:t>Head</a:t>
             </a:r>
           </a:p>
           <a:p>
             <a:r>
-              <a:rPr lang="en-US" sz="2800" dirty="0" smtClean="0"/>
+              <a:rPr lang="en-US" sz="2800" dirty="0"/>
               <a:t>Body</a:t>
             </a:r>
           </a:p>
@@ -13306,10 +13066,9 @@
           <a:lstStyle/>
           <a:p>
             <a:r>
-              <a:rPr lang="en-US" dirty="0" smtClean="0"/>
+              <a:rPr lang="en-US" dirty="0"/>
               <a:t>EXAMPLE</a:t>
             </a:r>
-            <a:endParaRPr lang="en-US" dirty="0"/>
           </a:p>
         </p:txBody>
       </p:sp>
@@ -13329,10 +13088,9 @@
           <a:lstStyle/>
           <a:p>
             <a:r>
-              <a:rPr lang="en-US" dirty="0" smtClean="0"/>
+              <a:rPr lang="en-US" dirty="0"/>
               <a:t>BASIC html STRUCTURE</a:t>
             </a:r>
-            <a:endParaRPr lang="en-US" dirty="0"/>
           </a:p>
         </p:txBody>
       </p:sp>
@@ -13376,13 +13134,6 @@
   <p:clrMapOvr>
     <a:masterClrMapping/>
   </p:clrMapOvr>
-  <p:timing>
-    <p:tnLst>
-      <p:par>
-        <p:cTn id="1" dur="indefinite" restart="never" nodeType="tmRoot"/>
-      </p:par>
-    </p:tnLst>
-  </p:timing>
 </p:sld>
 </file>
 
@@ -13419,10 +13170,9 @@
           <a:lstStyle/>
           <a:p>
             <a:r>
-              <a:rPr lang="en-US" dirty="0" smtClean="0"/>
+              <a:rPr lang="en-US" dirty="0"/>
               <a:t>ASSESSMENT</a:t>
             </a:r>
-            <a:endParaRPr lang="en-US" dirty="0"/>
           </a:p>
         </p:txBody>
       </p:sp>
@@ -13488,13 +13238,6 @@
   <p:clrMapOvr>
     <a:masterClrMapping/>
   </p:clrMapOvr>
-  <p:timing>
-    <p:tnLst>
-      <p:par>
-        <p:cTn id="1" dur="indefinite" restart="never" nodeType="tmRoot"/>
-      </p:par>
-    </p:tnLst>
-  </p:timing>
 </p:sld>
 </file>
 
@@ -13531,10 +13274,9 @@
           <a:lstStyle/>
           <a:p>
             <a:r>
-              <a:rPr lang="en-US" dirty="0" smtClean="0"/>
+              <a:rPr lang="en-US" dirty="0"/>
               <a:t>Common Elements</a:t>
             </a:r>
-            <a:endParaRPr lang="en-US" dirty="0"/>
           </a:p>
         </p:txBody>
       </p:sp>
@@ -13557,21 +13299,13 @@
           <a:p>
             <a:r>
               <a:rPr lang="en-US" sz="2800" dirty="0"/>
-              <a:t>d</a:t>
-            </a:r>
-            <a:r>
-              <a:rPr lang="en-US" sz="2800" dirty="0" smtClean="0"/>
-              <a:t>iv</a:t>
+              <a:t>div</a:t>
             </a:r>
           </a:p>
           <a:p>
             <a:r>
               <a:rPr lang="en-US" sz="2800" dirty="0"/>
-              <a:t>s</a:t>
-            </a:r>
-            <a:r>
-              <a:rPr lang="en-US" sz="2800" dirty="0" smtClean="0"/>
-              <a:t>pan</a:t>
+              <a:t>span</a:t>
             </a:r>
           </a:p>
           <a:p>
@@ -13579,35 +13313,26 @@
               <a:rPr lang="en-US" sz="2800" dirty="0"/>
               <a:t>p</a:t>
             </a:r>
-            <a:endParaRPr lang="en-US" sz="2800" dirty="0" smtClean="0"/>
           </a:p>
           <a:p>
             <a:r>
               <a:rPr lang="en-US" sz="2800" dirty="0"/>
-              <a:t>h</a:t>
-            </a:r>
-            <a:r>
-              <a:rPr lang="en-US" sz="2800" dirty="0" smtClean="0"/>
-              <a:t>1, h2, h3, h4, h5, h6</a:t>
+              <a:t>h1, h2, h3, h4, h5, h6</a:t>
             </a:r>
           </a:p>
           <a:p>
             <a:r>
               <a:rPr lang="en-US" sz="2800" dirty="0" err="1"/>
-              <a:t>b</a:t>
-            </a:r>
-            <a:r>
-              <a:rPr lang="en-US" sz="2800" dirty="0" err="1" smtClean="0"/>
-              <a:t>r</a:t>
-            </a:r>
-            <a:endParaRPr lang="en-US" sz="2800" dirty="0" smtClean="0"/>
-          </a:p>
-          <a:p>
-            <a:r>
-              <a:rPr lang="en-US" sz="2800" dirty="0" err="1" smtClean="0"/>
+              <a:t>br</a:t>
+            </a:r>
+            <a:endParaRPr lang="en-US" sz="2800" dirty="0"/>
+          </a:p>
+          <a:p>
+            <a:r>
+              <a:rPr lang="en-US" sz="2800" dirty="0" err="1"/>
               <a:t>hr</a:t>
             </a:r>
-            <a:endParaRPr lang="en-US" sz="2800" dirty="0" smtClean="0"/>
+            <a:endParaRPr lang="en-US" sz="2800" dirty="0"/>
           </a:p>
           <a:p>
             <a:endParaRPr lang="en-US" dirty="0"/>

--- a/Slides/07_HTML_TrainingPlan.pptx
+++ b/Slides/07_HTML_TrainingPlan.pptx
@@ -221,7 +221,7 @@
           <a:p>
             <a:fld id="{511FFA03-EA42-4D4B-BC08-EB70C6D8C289}" type="datetimeFigureOut">
               <a:rPr lang="en-US" smtClean="0"/>
-              <a:t>5/28/2018</a:t>
+              <a:t>6/12/2018</a:t>
             </a:fld>
             <a:endParaRPr lang="en-US"/>
           </a:p>
@@ -2779,6 +2779,33 @@
               <a:t>For HTML 5 you just specify html.</a:t>
             </a:r>
           </a:p>
+          <a:p>
+            <a:pPr marL="171450" marR="0" lvl="0" indent="-171450" algn="l" defTabSz="914400" rtl="0" eaLnBrk="1" fontAlgn="auto" latinLnBrk="0" hangingPunct="1">
+              <a:lnSpc>
+                <a:spcPct val="100000"/>
+              </a:lnSpc>
+              <a:spcBef>
+                <a:spcPts val="0"/>
+              </a:spcBef>
+              <a:spcAft>
+                <a:spcPts val="0"/>
+              </a:spcAft>
+              <a:buClrTx/>
+              <a:buSzTx/>
+              <a:buFont typeface="Arial" panose="020B0604020202020204" pitchFamily="34" charset="0"/>
+              <a:buChar char="•"/>
+              <a:tabLst/>
+              <a:defRPr/>
+            </a:pPr>
+            <a:r>
+              <a:rPr lang="en-US" baseline="0" dirty="0"/>
+              <a:t>More info:  </a:t>
+            </a:r>
+            <a:r>
+              <a:rPr lang="en-US" sz="1200" dirty="0"/>
+              <a:t>http://html.com/tags/doctype/</a:t>
+            </a:r>
+          </a:p>
         </p:txBody>
       </p:sp>
       <p:sp>
@@ -2909,6 +2936,16 @@
             </a:r>
           </a:p>
           <a:p>
+            <a:pPr marL="628650" lvl="1" indent="-171450">
+              <a:buFont typeface="Arial" panose="020B0604020202020204" pitchFamily="34" charset="0"/>
+              <a:buChar char="•"/>
+            </a:pPr>
+            <a:r>
+              <a:rPr lang="en-US" baseline="0" dirty="0"/>
+              <a:t>The head element is for metadata purposes only.  It is not shown on the page.</a:t>
+            </a:r>
+          </a:p>
+          <a:p>
             <a:pPr marL="171450" indent="-171450">
               <a:buFont typeface="Arial" panose="020B0604020202020204" pitchFamily="34" charset="0"/>
               <a:buChar char="•"/>
@@ -3278,20 +3315,6 @@
             </a:pPr>
             <a:r>
               <a:rPr lang="en-US" baseline="0" dirty="0" err="1"/>
-              <a:t>br</a:t>
-            </a:r>
-            <a:r>
-              <a:rPr lang="en-US" baseline="0" dirty="0"/>
-              <a:t> represents a break</a:t>
-            </a:r>
-          </a:p>
-          <a:p>
-            <a:pPr marL="171450" indent="-171450">
-              <a:buFont typeface="Arial" panose="020B0604020202020204" pitchFamily="34" charset="0"/>
-              <a:buChar char="•"/>
-            </a:pPr>
-            <a:r>
-              <a:rPr lang="en-US" baseline="0" dirty="0" err="1"/>
               <a:t>hr</a:t>
             </a:r>
             <a:r>
@@ -3684,7 +3707,7 @@
           <a:p>
             <a:fld id="{96FB5D56-0812-4ED5-8B52-3D0DCBF578CB}" type="datetimeFigureOut">
               <a:rPr lang="en-US" smtClean="0"/>
-              <a:t>5/28/2018</a:t>
+              <a:t>6/12/2018</a:t>
             </a:fld>
             <a:endParaRPr lang="en-US"/>
           </a:p>
@@ -3959,7 +3982,7 @@
           <a:p>
             <a:fld id="{96FB5D56-0812-4ED5-8B52-3D0DCBF578CB}" type="datetimeFigureOut">
               <a:rPr lang="en-US" smtClean="0"/>
-              <a:t>5/28/2018</a:t>
+              <a:t>6/12/2018</a:t>
             </a:fld>
             <a:endParaRPr lang="en-US"/>
           </a:p>
@@ -4153,7 +4176,7 @@
           <a:p>
             <a:fld id="{96FB5D56-0812-4ED5-8B52-3D0DCBF578CB}" type="datetimeFigureOut">
               <a:rPr lang="en-US" smtClean="0"/>
-              <a:t>5/28/2018</a:t>
+              <a:t>6/12/2018</a:t>
             </a:fld>
             <a:endParaRPr lang="en-US"/>
           </a:p>
@@ -4426,7 +4449,7 @@
           <a:p>
             <a:fld id="{96FB5D56-0812-4ED5-8B52-3D0DCBF578CB}" type="datetimeFigureOut">
               <a:rPr lang="en-US" smtClean="0"/>
-              <a:t>5/28/2018</a:t>
+              <a:t>6/12/2018</a:t>
             </a:fld>
             <a:endParaRPr lang="en-US"/>
           </a:p>
@@ -4767,7 +4790,7 @@
           <a:p>
             <a:fld id="{96FB5D56-0812-4ED5-8B52-3D0DCBF578CB}" type="datetimeFigureOut">
               <a:rPr lang="en-US" smtClean="0"/>
-              <a:t>5/28/2018</a:t>
+              <a:t>6/12/2018</a:t>
             </a:fld>
             <a:endParaRPr lang="en-US"/>
           </a:p>
@@ -5390,7 +5413,7 @@
           <a:p>
             <a:fld id="{96FB5D56-0812-4ED5-8B52-3D0DCBF578CB}" type="datetimeFigureOut">
               <a:rPr lang="en-US" smtClean="0"/>
-              <a:t>5/28/2018</a:t>
+              <a:t>6/12/2018</a:t>
             </a:fld>
             <a:endParaRPr lang="en-US"/>
           </a:p>
@@ -6250,7 +6273,7 @@
           <a:p>
             <a:fld id="{96FB5D56-0812-4ED5-8B52-3D0DCBF578CB}" type="datetimeFigureOut">
               <a:rPr lang="en-US" smtClean="0"/>
-              <a:t>5/28/2018</a:t>
+              <a:t>6/12/2018</a:t>
             </a:fld>
             <a:endParaRPr lang="en-US"/>
           </a:p>
@@ -6420,7 +6443,7 @@
           <a:p>
             <a:fld id="{96FB5D56-0812-4ED5-8B52-3D0DCBF578CB}" type="datetimeFigureOut">
               <a:rPr lang="en-US" smtClean="0"/>
-              <a:t>5/28/2018</a:t>
+              <a:t>6/12/2018</a:t>
             </a:fld>
             <a:endParaRPr lang="en-US"/>
           </a:p>
@@ -6600,7 +6623,7 @@
           <a:p>
             <a:fld id="{96FB5D56-0812-4ED5-8B52-3D0DCBF578CB}" type="datetimeFigureOut">
               <a:rPr lang="en-US" smtClean="0"/>
-              <a:t>5/28/2018</a:t>
+              <a:t>6/12/2018</a:t>
             </a:fld>
             <a:endParaRPr lang="en-US"/>
           </a:p>
@@ -6770,7 +6793,7 @@
           <a:p>
             <a:fld id="{96FB5D56-0812-4ED5-8B52-3D0DCBF578CB}" type="datetimeFigureOut">
               <a:rPr lang="en-US" smtClean="0"/>
-              <a:t>5/28/2018</a:t>
+              <a:t>6/12/2018</a:t>
             </a:fld>
             <a:endParaRPr lang="en-US"/>
           </a:p>
@@ -7017,7 +7040,7 @@
           <a:p>
             <a:fld id="{96FB5D56-0812-4ED5-8B52-3D0DCBF578CB}" type="datetimeFigureOut">
               <a:rPr lang="en-US" smtClean="0"/>
-              <a:t>5/28/2018</a:t>
+              <a:t>6/12/2018</a:t>
             </a:fld>
             <a:endParaRPr lang="en-US"/>
           </a:p>
@@ -7309,7 +7332,7 @@
           <a:p>
             <a:fld id="{96FB5D56-0812-4ED5-8B52-3D0DCBF578CB}" type="datetimeFigureOut">
               <a:rPr lang="en-US" smtClean="0"/>
-              <a:t>5/28/2018</a:t>
+              <a:t>6/12/2018</a:t>
             </a:fld>
             <a:endParaRPr lang="en-US"/>
           </a:p>
@@ -7753,7 +7776,7 @@
           <a:p>
             <a:fld id="{96FB5D56-0812-4ED5-8B52-3D0DCBF578CB}" type="datetimeFigureOut">
               <a:rPr lang="en-US" smtClean="0"/>
-              <a:t>5/28/2018</a:t>
+              <a:t>6/12/2018</a:t>
             </a:fld>
             <a:endParaRPr lang="en-US"/>
           </a:p>
@@ -7871,7 +7894,7 @@
           <a:p>
             <a:fld id="{96FB5D56-0812-4ED5-8B52-3D0DCBF578CB}" type="datetimeFigureOut">
               <a:rPr lang="en-US" smtClean="0"/>
-              <a:t>5/28/2018</a:t>
+              <a:t>6/12/2018</a:t>
             </a:fld>
             <a:endParaRPr lang="en-US"/>
           </a:p>
@@ -7966,7 +7989,7 @@
           <a:p>
             <a:fld id="{96FB5D56-0812-4ED5-8B52-3D0DCBF578CB}" type="datetimeFigureOut">
               <a:rPr lang="en-US" smtClean="0"/>
-              <a:t>5/28/2018</a:t>
+              <a:t>6/12/2018</a:t>
             </a:fld>
             <a:endParaRPr lang="en-US"/>
           </a:p>
@@ -8245,7 +8268,7 @@
           <a:p>
             <a:fld id="{96FB5D56-0812-4ED5-8B52-3D0DCBF578CB}" type="datetimeFigureOut">
               <a:rPr lang="en-US" smtClean="0"/>
-              <a:t>5/28/2018</a:t>
+              <a:t>6/12/2018</a:t>
             </a:fld>
             <a:endParaRPr lang="en-US"/>
           </a:p>
@@ -8520,7 +8543,7 @@
           <a:p>
             <a:fld id="{96FB5D56-0812-4ED5-8B52-3D0DCBF578CB}" type="datetimeFigureOut">
               <a:rPr lang="en-US" smtClean="0"/>
-              <a:t>5/28/2018</a:t>
+              <a:t>6/12/2018</a:t>
             </a:fld>
             <a:endParaRPr lang="en-US"/>
           </a:p>
@@ -8949,7 +8972,7 @@
           <a:p>
             <a:fld id="{96FB5D56-0812-4ED5-8B52-3D0DCBF578CB}" type="datetimeFigureOut">
               <a:rPr lang="en-US" smtClean="0"/>
-              <a:t>5/28/2018</a:t>
+              <a:t>6/12/2018</a:t>
             </a:fld>
             <a:endParaRPr lang="en-US"/>
           </a:p>
@@ -11333,7 +11356,7 @@
           <a:p>
             <a:r>
               <a:rPr lang="en-US" sz="2000" dirty="0"/>
-              <a:t>Empty elements do can have / instead of ending tag</a:t>
+              <a:t>Empty elements can have / instead of ending tag</a:t>
             </a:r>
           </a:p>
           <a:p>
@@ -11523,7 +11546,12 @@
             <p:ph idx="1"/>
           </p:nvPr>
         </p:nvSpPr>
-        <p:spPr/>
+        <p:spPr>
+          <a:xfrm>
+            <a:off x="938784" y="1158240"/>
+            <a:ext cx="9802368" cy="5498592"/>
+          </a:xfrm>
+        </p:spPr>
         <p:txBody>
           <a:bodyPr>
             <a:noAutofit/>
@@ -11537,8 +11565,8 @@
               <a:buNone/>
             </a:pPr>
             <a:r>
-              <a:rPr lang="en-US" sz="2400" dirty="0"/>
-              <a:t>Example:</a:t>
+              <a:rPr lang="en-US" dirty="0"/>
+              <a:t>&lt;form action=“/formAction.html” method=“post”&gt;</a:t>
             </a:r>
           </a:p>
           <a:p>
@@ -11549,8 +11577,8 @@
               <a:buNone/>
             </a:pPr>
             <a:r>
-              <a:rPr lang="en-US" sz="2400" dirty="0"/>
-              <a:t>&lt;form action=“/formAction.html” method=“post”&gt;</a:t>
+              <a:rPr lang="en-US" dirty="0"/>
+              <a:t>  First Name:</a:t>
             </a:r>
           </a:p>
           <a:p>
@@ -11561,16 +11589,16 @@
               <a:buNone/>
             </a:pPr>
             <a:r>
-              <a:rPr lang="en-US" sz="2400" dirty="0"/>
-              <a:t>  First Name:&lt;</a:t>
-            </a:r>
-            <a:r>
-              <a:rPr lang="en-US" sz="2400" dirty="0" err="1"/>
-              <a:t>br</a:t>
-            </a:r>
-            <a:r>
-              <a:rPr lang="en-US" sz="2400" dirty="0"/>
-              <a:t> /&gt;</a:t>
+              <a:rPr lang="en-US" dirty="0"/>
+              <a:t>  &lt;input type=“text” name=“</a:t>
+            </a:r>
+            <a:r>
+              <a:rPr lang="en-US" dirty="0" err="1"/>
+              <a:t>firstName</a:t>
+            </a:r>
+            <a:r>
+              <a:rPr lang="en-US" dirty="0"/>
+              <a:t>” value=“First” /&gt;</a:t>
             </a:r>
           </a:p>
           <a:p>
@@ -11581,16 +11609,8 @@
               <a:buNone/>
             </a:pPr>
             <a:r>
-              <a:rPr lang="en-US" sz="2400" dirty="0"/>
-              <a:t>  &lt;input type=“text” name=“</a:t>
-            </a:r>
-            <a:r>
-              <a:rPr lang="en-US" sz="2400" dirty="0" err="1"/>
-              <a:t>firstName</a:t>
-            </a:r>
-            <a:r>
-              <a:rPr lang="en-US" sz="2400" dirty="0"/>
-              <a:t>” value=“First” /&gt;</a:t>
+              <a:rPr lang="en-US" dirty="0"/>
+              <a:t>  Last Name:</a:t>
             </a:r>
           </a:p>
           <a:p>
@@ -11601,16 +11621,16 @@
               <a:buNone/>
             </a:pPr>
             <a:r>
-              <a:rPr lang="en-US" sz="2400" dirty="0"/>
-              <a:t>  Last Name:&lt;</a:t>
-            </a:r>
-            <a:r>
-              <a:rPr lang="en-US" sz="2400" dirty="0" err="1"/>
-              <a:t>br</a:t>
-            </a:r>
-            <a:r>
-              <a:rPr lang="en-US" sz="2400" dirty="0"/>
-              <a:t> /&gt;</a:t>
+              <a:rPr lang="en-US" dirty="0"/>
+              <a:t>  &lt;input type=“text” name=“</a:t>
+            </a:r>
+            <a:r>
+              <a:rPr lang="en-US" dirty="0" err="1"/>
+              <a:t>lastName</a:t>
+            </a:r>
+            <a:r>
+              <a:rPr lang="en-US" dirty="0"/>
+              <a:t>” value=“Last” /&gt;</a:t>
             </a:r>
           </a:p>
           <a:p>
@@ -11620,18 +11640,7 @@
               </a:spcBef>
               <a:buNone/>
             </a:pPr>
-            <a:r>
-              <a:rPr lang="en-US" sz="2400" dirty="0"/>
-              <a:t>  &lt;input type=“text” name=“</a:t>
-            </a:r>
-            <a:r>
-              <a:rPr lang="en-US" sz="2400" dirty="0" err="1"/>
-              <a:t>lastName</a:t>
-            </a:r>
-            <a:r>
-              <a:rPr lang="en-US" sz="2400" dirty="0"/>
-              <a:t>” value=“Last” /&gt;</a:t>
-            </a:r>
+            <a:endParaRPr lang="en-US" dirty="0"/>
           </a:p>
           <a:p>
             <a:pPr marL="45720" indent="0">
@@ -11641,24 +11650,8 @@
               <a:buNone/>
             </a:pPr>
             <a:r>
-              <a:rPr lang="en-US" sz="2400" dirty="0"/>
-              <a:t>  &lt;input type=“checkbox” name=“</a:t>
-            </a:r>
-            <a:r>
-              <a:rPr lang="en-US" sz="2400" dirty="0" err="1"/>
-              <a:t>signUp</a:t>
-            </a:r>
-            <a:r>
-              <a:rPr lang="en-US" sz="2400" dirty="0"/>
-              <a:t>” value=“</a:t>
-            </a:r>
-            <a:r>
-              <a:rPr lang="en-US" sz="2400" dirty="0" err="1"/>
-              <a:t>SignedUp</a:t>
-            </a:r>
-            <a:r>
-              <a:rPr lang="en-US" sz="2400" dirty="0"/>
-              <a:t>” /&gt;</a:t>
+              <a:rPr lang="en-US" dirty="0"/>
+              <a:t>  Sign Up?</a:t>
             </a:r>
           </a:p>
           <a:p>
@@ -11669,16 +11662,24 @@
               <a:buNone/>
             </a:pPr>
             <a:r>
-              <a:rPr lang="en-US" sz="2400" dirty="0"/>
-              <a:t>  Sign Up?&lt;</a:t>
-            </a:r>
-            <a:r>
-              <a:rPr lang="en-US" sz="2400" dirty="0" err="1"/>
-              <a:t>br</a:t>
-            </a:r>
-            <a:r>
-              <a:rPr lang="en-US" sz="2400" dirty="0"/>
-              <a:t> /&gt;</a:t>
+              <a:rPr lang="en-US" dirty="0"/>
+              <a:t>  &lt;input type=“checkbox” name=“</a:t>
+            </a:r>
+            <a:r>
+              <a:rPr lang="en-US" dirty="0" err="1"/>
+              <a:t>signUp</a:t>
+            </a:r>
+            <a:r>
+              <a:rPr lang="en-US" dirty="0"/>
+              <a:t>” value=“</a:t>
+            </a:r>
+            <a:r>
+              <a:rPr lang="en-US" dirty="0" err="1"/>
+              <a:t>SignedUp</a:t>
+            </a:r>
+            <a:r>
+              <a:rPr lang="en-US" dirty="0"/>
+              <a:t>” /&gt;</a:t>
             </a:r>
           </a:p>
           <a:p>
@@ -11688,10 +11689,7 @@
               </a:spcBef>
               <a:buNone/>
             </a:pPr>
-            <a:r>
-              <a:rPr lang="en-US" sz="2400" dirty="0"/>
-              <a:t>  &lt;input type=“submit” value=“Submit” /&gt;</a:t>
-            </a:r>
+            <a:endParaRPr lang="en-US" dirty="0"/>
           </a:p>
           <a:p>
             <a:pPr marL="45720" indent="0">
@@ -11701,7 +11699,77 @@
               <a:buNone/>
             </a:pPr>
             <a:r>
+              <a:rPr lang="en-US" dirty="0"/>
+              <a:t>  Gender</a:t>
+            </a:r>
+          </a:p>
+          <a:p>
+            <a:pPr marL="45720" indent="0">
+              <a:spcBef>
+                <a:spcPts val="100"/>
+              </a:spcBef>
+              <a:buNone/>
+            </a:pPr>
+            <a:r>
+              <a:rPr lang="en-US" dirty="0"/>
+              <a:t>  &lt;select&gt;</a:t>
+            </a:r>
+            <a:br>
               <a:rPr lang="en-US" sz="2400" dirty="0"/>
+            </a:br>
+            <a:r>
+              <a:rPr lang="en-US" dirty="0"/>
+              <a:t>    &lt;option value=“male"&gt;Male&lt;/option&gt;</a:t>
+            </a:r>
+            <a:br>
+              <a:rPr lang="en-US" sz="2400" dirty="0"/>
+            </a:br>
+            <a:r>
+              <a:rPr lang="en-US" dirty="0"/>
+              <a:t>    &lt;option value=“female"&gt;Female&lt;/option&gt;</a:t>
+            </a:r>
+            <a:br>
+              <a:rPr lang="en-US" sz="2400" dirty="0"/>
+            </a:br>
+            <a:r>
+              <a:rPr lang="en-US" sz="2400" dirty="0"/>
+              <a:t>  </a:t>
+            </a:r>
+            <a:r>
+              <a:rPr lang="en-US" dirty="0"/>
+              <a:t>&lt;/select&gt;</a:t>
+            </a:r>
+          </a:p>
+          <a:p>
+            <a:pPr marL="45720" indent="0">
+              <a:spcBef>
+                <a:spcPts val="100"/>
+              </a:spcBef>
+              <a:buNone/>
+            </a:pPr>
+            <a:endParaRPr lang="en-US" sz="2400" dirty="0"/>
+          </a:p>
+          <a:p>
+            <a:pPr marL="45720" indent="0">
+              <a:spcBef>
+                <a:spcPts val="100"/>
+              </a:spcBef>
+              <a:buNone/>
+            </a:pPr>
+            <a:r>
+              <a:rPr lang="en-US" dirty="0"/>
+              <a:t>  &lt;input type=“submit” value=“Submit” /&gt;</a:t>
+            </a:r>
+          </a:p>
+          <a:p>
+            <a:pPr marL="45720" indent="0">
+              <a:spcBef>
+                <a:spcPts val="100"/>
+              </a:spcBef>
+              <a:buNone/>
+            </a:pPr>
+            <a:r>
+              <a:rPr lang="en-US" dirty="0"/>
               <a:t>&lt;/form&gt;</a:t>
             </a:r>
           </a:p>
@@ -12669,7 +12737,7 @@
         <p:spPr/>
         <p:txBody>
           <a:bodyPr>
-            <a:normAutofit/>
+            <a:normAutofit lnSpcReduction="10000"/>
           </a:bodyPr>
           <a:lstStyle/>
           <a:p>
@@ -12727,16 +12795,13 @@
               <a:rPr lang="en-US" sz="2400" dirty="0"/>
               <a:t>Example:  </a:t>
             </a:r>
-            <a:r>
-              <a:rPr lang="en-US" sz="2400" dirty="0">
-                <a:hlinkClick r:id="rId3"/>
-              </a:rPr>
-              <a:t>http://html.com/tags/doctype/</a:t>
-            </a:r>
-            <a:endParaRPr lang="en-US" sz="2400" dirty="0"/>
-          </a:p>
-          <a:p>
-            <a:endParaRPr lang="en-US" dirty="0"/>
+          </a:p>
+          <a:p>
+            <a:pPr lvl="1"/>
+            <a:r>
+              <a:rPr lang="en-US" dirty="0"/>
+              <a:t>&lt;!DOCTYPE html&gt;</a:t>
+            </a:r>
           </a:p>
         </p:txBody>
       </p:sp>
@@ -12969,26 +13034,6 @@
             <a:r>
               <a:rPr lang="en-US" dirty="0"/>
               <a:t>    Welcome to the page.</a:t>
-            </a:r>
-          </a:p>
-          <a:p>
-            <a:pPr marL="45720" indent="0">
-              <a:spcBef>
-                <a:spcPts val="100"/>
-              </a:spcBef>
-              <a:buNone/>
-            </a:pPr>
-            <a:r>
-              <a:rPr lang="en-US" dirty="0"/>
-              <a:t>    &lt;</a:t>
-            </a:r>
-            <a:r>
-              <a:rPr lang="en-US" dirty="0" err="1"/>
-              <a:t>br</a:t>
-            </a:r>
-            <a:r>
-              <a:rPr lang="en-US" dirty="0"/>
-              <a:t> /&gt;</a:t>
             </a:r>
           </a:p>
           <a:p>
@@ -13319,13 +13364,6 @@
               <a:rPr lang="en-US" sz="2800" dirty="0"/>
               <a:t>h1, h2, h3, h4, h5, h6</a:t>
             </a:r>
-          </a:p>
-          <a:p>
-            <a:r>
-              <a:rPr lang="en-US" sz="2800" dirty="0" err="1"/>
-              <a:t>br</a:t>
-            </a:r>
-            <a:endParaRPr lang="en-US" sz="2800" dirty="0"/>
           </a:p>
           <a:p>
             <a:r>
